--- a/CSC FLOW CHART.pptx
+++ b/CSC FLOW CHART.pptx
@@ -5,13 +5,13 @@
     <p:sldMasterId id="2147483648" r:id="rId1"/>
   </p:sldMasterIdLst>
   <p:sldIdLst>
-    <p:sldId id="257" r:id="rId3"/>
-    <p:sldId id="261" r:id="rId4"/>
-    <p:sldId id="258" r:id="rId5"/>
-    <p:sldId id="263" r:id="rId6"/>
-    <p:sldId id="262" r:id="rId7"/>
-    <p:sldId id="256" r:id="rId8"/>
-    <p:sldId id="260" r:id="rId9"/>
+    <p:sldId id="257" r:id="rId2"/>
+    <p:sldId id="261" r:id="rId3"/>
+    <p:sldId id="258" r:id="rId4"/>
+    <p:sldId id="263" r:id="rId5"/>
+    <p:sldId id="262" r:id="rId6"/>
+    <p:sldId id="256" r:id="rId7"/>
+    <p:sldId id="260" r:id="rId8"/>
   </p:sldIdLst>
   <p:sldSz cx="12192000" cy="6858000"/>
   <p:notesSz cx="6858000" cy="9144000"/>
@@ -110,6 +110,11 @@
       </a:defRPr>
     </a:lvl9pPr>
   </p:defaultTextStyle>
+  <p:extLst>
+    <p:ext uri="{EFAFB233-063F-42B5-8137-9DF3F51BA10A}">
+      <p15:sldGuideLst xmlns:p15="http://schemas.microsoft.com/office/powerpoint/2012/main"/>
+    </p:ext>
+  </p:extLst>
 </p:presentation>
 </file>
 
@@ -244,6 +249,7 @@
           <a:p>
             <a:fld id="{63A1C593-65D0-4073-BCC9-577B9352EA97}" type="datetimeFigureOut">
               <a:rPr lang="en-US" smtClean="0"/>
+              <a:t>4/20/2021</a:t>
             </a:fld>
             <a:endParaRPr lang="en-US"/>
           </a:p>
@@ -285,6 +291,7 @@
           <a:p>
             <a:fld id="{9B618960-8005-486C-9A75-10CB2AAC16F9}" type="slidenum">
               <a:rPr lang="en-US" smtClean="0"/>
+              <a:t>‹#›</a:t>
             </a:fld>
             <a:endParaRPr lang="en-US"/>
           </a:p>
@@ -358,7 +365,6 @@
               <a:rPr lang="en-US" smtClean="0"/>
               <a:t>Click to edit Master text styles</a:t>
             </a:r>
-            <a:endParaRPr lang="en-US" smtClean="0"/>
           </a:p>
           <a:p>
             <a:pPr lvl="1"/>
@@ -366,7 +372,6 @@
               <a:rPr lang="en-US" smtClean="0"/>
               <a:t>Second level</a:t>
             </a:r>
-            <a:endParaRPr lang="en-US" smtClean="0"/>
           </a:p>
           <a:p>
             <a:pPr lvl="2"/>
@@ -374,7 +379,6 @@
               <a:rPr lang="en-US" smtClean="0"/>
               <a:t>Third level</a:t>
             </a:r>
-            <a:endParaRPr lang="en-US" smtClean="0"/>
           </a:p>
           <a:p>
             <a:pPr lvl="3"/>
@@ -382,7 +386,6 @@
               <a:rPr lang="en-US" smtClean="0"/>
               <a:t>Fourth level</a:t>
             </a:r>
-            <a:endParaRPr lang="en-US" smtClean="0"/>
           </a:p>
           <a:p>
             <a:pPr lvl="4"/>
@@ -411,6 +414,7 @@
           <a:p>
             <a:fld id="{63A1C593-65D0-4073-BCC9-577B9352EA97}" type="datetimeFigureOut">
               <a:rPr lang="en-US" smtClean="0"/>
+              <a:t>4/20/2021</a:t>
             </a:fld>
             <a:endParaRPr lang="en-US"/>
           </a:p>
@@ -452,6 +456,7 @@
           <a:p>
             <a:fld id="{9B618960-8005-486C-9A75-10CB2AAC16F9}" type="slidenum">
               <a:rPr lang="en-US" smtClean="0"/>
+              <a:t>‹#›</a:t>
             </a:fld>
             <a:endParaRPr lang="en-US"/>
           </a:p>
@@ -535,7 +540,6 @@
               <a:rPr lang="en-US" smtClean="0"/>
               <a:t>Click to edit Master text styles</a:t>
             </a:r>
-            <a:endParaRPr lang="en-US" smtClean="0"/>
           </a:p>
           <a:p>
             <a:pPr lvl="1"/>
@@ -543,7 +547,6 @@
               <a:rPr lang="en-US" smtClean="0"/>
               <a:t>Second level</a:t>
             </a:r>
-            <a:endParaRPr lang="en-US" smtClean="0"/>
           </a:p>
           <a:p>
             <a:pPr lvl="2"/>
@@ -551,7 +554,6 @@
               <a:rPr lang="en-US" smtClean="0"/>
               <a:t>Third level</a:t>
             </a:r>
-            <a:endParaRPr lang="en-US" smtClean="0"/>
           </a:p>
           <a:p>
             <a:pPr lvl="3"/>
@@ -559,7 +561,6 @@
               <a:rPr lang="en-US" smtClean="0"/>
               <a:t>Fourth level</a:t>
             </a:r>
-            <a:endParaRPr lang="en-US" smtClean="0"/>
           </a:p>
           <a:p>
             <a:pPr lvl="4"/>
@@ -588,6 +589,7 @@
           <a:p>
             <a:fld id="{63A1C593-65D0-4073-BCC9-577B9352EA97}" type="datetimeFigureOut">
               <a:rPr lang="en-US" smtClean="0"/>
+              <a:t>4/20/2021</a:t>
             </a:fld>
             <a:endParaRPr lang="en-US"/>
           </a:p>
@@ -629,6 +631,7 @@
           <a:p>
             <a:fld id="{9B618960-8005-486C-9A75-10CB2AAC16F9}" type="slidenum">
               <a:rPr lang="en-US" smtClean="0"/>
+              <a:t>‹#›</a:t>
             </a:fld>
             <a:endParaRPr lang="en-US"/>
           </a:p>
@@ -702,7 +705,6 @@
               <a:rPr lang="en-US" smtClean="0"/>
               <a:t>Click to edit Master text styles</a:t>
             </a:r>
-            <a:endParaRPr lang="en-US" smtClean="0"/>
           </a:p>
           <a:p>
             <a:pPr lvl="1"/>
@@ -710,7 +712,6 @@
               <a:rPr lang="en-US" smtClean="0"/>
               <a:t>Second level</a:t>
             </a:r>
-            <a:endParaRPr lang="en-US" smtClean="0"/>
           </a:p>
           <a:p>
             <a:pPr lvl="2"/>
@@ -718,7 +719,6 @@
               <a:rPr lang="en-US" smtClean="0"/>
               <a:t>Third level</a:t>
             </a:r>
-            <a:endParaRPr lang="en-US" smtClean="0"/>
           </a:p>
           <a:p>
             <a:pPr lvl="3"/>
@@ -726,7 +726,6 @@
               <a:rPr lang="en-US" smtClean="0"/>
               <a:t>Fourth level</a:t>
             </a:r>
-            <a:endParaRPr lang="en-US" smtClean="0"/>
           </a:p>
           <a:p>
             <a:pPr lvl="4"/>
@@ -755,6 +754,7 @@
           <a:p>
             <a:fld id="{63A1C593-65D0-4073-BCC9-577B9352EA97}" type="datetimeFigureOut">
               <a:rPr lang="en-US" smtClean="0"/>
+              <a:t>4/20/2021</a:t>
             </a:fld>
             <a:endParaRPr lang="en-US"/>
           </a:p>
@@ -796,6 +796,7 @@
           <a:p>
             <a:fld id="{9B618960-8005-486C-9A75-10CB2AAC16F9}" type="slidenum">
               <a:rPr lang="en-US" smtClean="0"/>
+              <a:t>‹#›</a:t>
             </a:fld>
             <a:endParaRPr lang="en-US"/>
           </a:p>
@@ -974,7 +975,6 @@
               <a:rPr lang="en-US" smtClean="0"/>
               <a:t>Click to edit Master text styles</a:t>
             </a:r>
-            <a:endParaRPr lang="en-US" smtClean="0"/>
           </a:p>
         </p:txBody>
       </p:sp>
@@ -995,6 +995,7 @@
           <a:p>
             <a:fld id="{63A1C593-65D0-4073-BCC9-577B9352EA97}" type="datetimeFigureOut">
               <a:rPr lang="en-US" smtClean="0"/>
+              <a:t>4/20/2021</a:t>
             </a:fld>
             <a:endParaRPr lang="en-US"/>
           </a:p>
@@ -1036,6 +1037,7 @@
           <a:p>
             <a:fld id="{9B618960-8005-486C-9A75-10CB2AAC16F9}" type="slidenum">
               <a:rPr lang="en-US" smtClean="0"/>
+              <a:t>‹#›</a:t>
             </a:fld>
             <a:endParaRPr lang="en-US"/>
           </a:p>
@@ -1114,7 +1116,6 @@
               <a:rPr lang="en-US" smtClean="0"/>
               <a:t>Click to edit Master text styles</a:t>
             </a:r>
-            <a:endParaRPr lang="en-US" smtClean="0"/>
           </a:p>
           <a:p>
             <a:pPr lvl="1"/>
@@ -1122,7 +1123,6 @@
               <a:rPr lang="en-US" smtClean="0"/>
               <a:t>Second level</a:t>
             </a:r>
-            <a:endParaRPr lang="en-US" smtClean="0"/>
           </a:p>
           <a:p>
             <a:pPr lvl="2"/>
@@ -1130,7 +1130,6 @@
               <a:rPr lang="en-US" smtClean="0"/>
               <a:t>Third level</a:t>
             </a:r>
-            <a:endParaRPr lang="en-US" smtClean="0"/>
           </a:p>
           <a:p>
             <a:pPr lvl="3"/>
@@ -1138,7 +1137,6 @@
               <a:rPr lang="en-US" smtClean="0"/>
               <a:t>Fourth level</a:t>
             </a:r>
-            <a:endParaRPr lang="en-US" smtClean="0"/>
           </a:p>
           <a:p>
             <a:pPr lvl="4"/>
@@ -1175,7 +1173,6 @@
               <a:rPr lang="en-US" smtClean="0"/>
               <a:t>Click to edit Master text styles</a:t>
             </a:r>
-            <a:endParaRPr lang="en-US" smtClean="0"/>
           </a:p>
           <a:p>
             <a:pPr lvl="1"/>
@@ -1183,7 +1180,6 @@
               <a:rPr lang="en-US" smtClean="0"/>
               <a:t>Second level</a:t>
             </a:r>
-            <a:endParaRPr lang="en-US" smtClean="0"/>
           </a:p>
           <a:p>
             <a:pPr lvl="2"/>
@@ -1191,7 +1187,6 @@
               <a:rPr lang="en-US" smtClean="0"/>
               <a:t>Third level</a:t>
             </a:r>
-            <a:endParaRPr lang="en-US" smtClean="0"/>
           </a:p>
           <a:p>
             <a:pPr lvl="3"/>
@@ -1199,7 +1194,6 @@
               <a:rPr lang="en-US" smtClean="0"/>
               <a:t>Fourth level</a:t>
             </a:r>
-            <a:endParaRPr lang="en-US" smtClean="0"/>
           </a:p>
           <a:p>
             <a:pPr lvl="4"/>
@@ -1228,6 +1222,7 @@
           <a:p>
             <a:fld id="{63A1C593-65D0-4073-BCC9-577B9352EA97}" type="datetimeFigureOut">
               <a:rPr lang="en-US" smtClean="0"/>
+              <a:t>4/20/2021</a:t>
             </a:fld>
             <a:endParaRPr lang="en-US"/>
           </a:p>
@@ -1269,6 +1264,7 @@
           <a:p>
             <a:fld id="{9B618960-8005-486C-9A75-10CB2AAC16F9}" type="slidenum">
               <a:rPr lang="en-US" smtClean="0"/>
+              <a:t>‹#›</a:t>
             </a:fld>
             <a:endParaRPr lang="en-US"/>
           </a:p>
@@ -1389,7 +1385,6 @@
               <a:rPr lang="en-US" smtClean="0"/>
               <a:t>Click to edit Master text styles</a:t>
             </a:r>
-            <a:endParaRPr lang="en-US" smtClean="0"/>
           </a:p>
         </p:txBody>
       </p:sp>
@@ -1418,7 +1413,6 @@
               <a:rPr lang="en-US" smtClean="0"/>
               <a:t>Click to edit Master text styles</a:t>
             </a:r>
-            <a:endParaRPr lang="en-US" smtClean="0"/>
           </a:p>
           <a:p>
             <a:pPr lvl="1"/>
@@ -1426,7 +1420,6 @@
               <a:rPr lang="en-US" smtClean="0"/>
               <a:t>Second level</a:t>
             </a:r>
-            <a:endParaRPr lang="en-US" smtClean="0"/>
           </a:p>
           <a:p>
             <a:pPr lvl="2"/>
@@ -1434,7 +1427,6 @@
               <a:rPr lang="en-US" smtClean="0"/>
               <a:t>Third level</a:t>
             </a:r>
-            <a:endParaRPr lang="en-US" smtClean="0"/>
           </a:p>
           <a:p>
             <a:pPr lvl="3"/>
@@ -1442,7 +1434,6 @@
               <a:rPr lang="en-US" smtClean="0"/>
               <a:t>Fourth level</a:t>
             </a:r>
-            <a:endParaRPr lang="en-US" smtClean="0"/>
           </a:p>
           <a:p>
             <a:pPr lvl="4"/>
@@ -1516,7 +1507,6 @@
               <a:rPr lang="en-US" smtClean="0"/>
               <a:t>Click to edit Master text styles</a:t>
             </a:r>
-            <a:endParaRPr lang="en-US" smtClean="0"/>
           </a:p>
         </p:txBody>
       </p:sp>
@@ -1545,7 +1535,6 @@
               <a:rPr lang="en-US" smtClean="0"/>
               <a:t>Click to edit Master text styles</a:t>
             </a:r>
-            <a:endParaRPr lang="en-US" smtClean="0"/>
           </a:p>
           <a:p>
             <a:pPr lvl="1"/>
@@ -1553,7 +1542,6 @@
               <a:rPr lang="en-US" smtClean="0"/>
               <a:t>Second level</a:t>
             </a:r>
-            <a:endParaRPr lang="en-US" smtClean="0"/>
           </a:p>
           <a:p>
             <a:pPr lvl="2"/>
@@ -1561,7 +1549,6 @@
               <a:rPr lang="en-US" smtClean="0"/>
               <a:t>Third level</a:t>
             </a:r>
-            <a:endParaRPr lang="en-US" smtClean="0"/>
           </a:p>
           <a:p>
             <a:pPr lvl="3"/>
@@ -1569,7 +1556,6 @@
               <a:rPr lang="en-US" smtClean="0"/>
               <a:t>Fourth level</a:t>
             </a:r>
-            <a:endParaRPr lang="en-US" smtClean="0"/>
           </a:p>
           <a:p>
             <a:pPr lvl="4"/>
@@ -1598,6 +1584,7 @@
           <a:p>
             <a:fld id="{63A1C593-65D0-4073-BCC9-577B9352EA97}" type="datetimeFigureOut">
               <a:rPr lang="en-US" smtClean="0"/>
+              <a:t>4/20/2021</a:t>
             </a:fld>
             <a:endParaRPr lang="en-US"/>
           </a:p>
@@ -1639,6 +1626,7 @@
           <a:p>
             <a:fld id="{9B618960-8005-486C-9A75-10CB2AAC16F9}" type="slidenum">
               <a:rPr lang="en-US" smtClean="0"/>
+              <a:t>‹#›</a:t>
             </a:fld>
             <a:endParaRPr lang="en-US"/>
           </a:p>
@@ -1709,6 +1697,7 @@
           <a:p>
             <a:fld id="{63A1C593-65D0-4073-BCC9-577B9352EA97}" type="datetimeFigureOut">
               <a:rPr lang="en-US" smtClean="0"/>
+              <a:t>4/20/2021</a:t>
             </a:fld>
             <a:endParaRPr lang="en-US"/>
           </a:p>
@@ -1750,6 +1739,7 @@
           <a:p>
             <a:fld id="{9B618960-8005-486C-9A75-10CB2AAC16F9}" type="slidenum">
               <a:rPr lang="en-US" smtClean="0"/>
+              <a:t>‹#›</a:t>
             </a:fld>
             <a:endParaRPr lang="en-US"/>
           </a:p>
@@ -1797,6 +1787,7 @@
           <a:p>
             <a:fld id="{63A1C593-65D0-4073-BCC9-577B9352EA97}" type="datetimeFigureOut">
               <a:rPr lang="en-US" smtClean="0"/>
+              <a:t>4/20/2021</a:t>
             </a:fld>
             <a:endParaRPr lang="en-US"/>
           </a:p>
@@ -1838,6 +1829,7 @@
           <a:p>
             <a:fld id="{9B618960-8005-486C-9A75-10CB2AAC16F9}" type="slidenum">
               <a:rPr lang="en-US" smtClean="0"/>
+              <a:t>‹#›</a:t>
             </a:fld>
             <a:endParaRPr lang="en-US"/>
           </a:p>
@@ -1953,7 +1945,6 @@
               <a:rPr lang="en-US" smtClean="0"/>
               <a:t>Click to edit Master text styles</a:t>
             </a:r>
-            <a:endParaRPr lang="en-US" smtClean="0"/>
           </a:p>
           <a:p>
             <a:pPr lvl="1"/>
@@ -1961,7 +1952,6 @@
               <a:rPr lang="en-US" smtClean="0"/>
               <a:t>Second level</a:t>
             </a:r>
-            <a:endParaRPr lang="en-US" smtClean="0"/>
           </a:p>
           <a:p>
             <a:pPr lvl="2"/>
@@ -1969,7 +1959,6 @@
               <a:rPr lang="en-US" smtClean="0"/>
               <a:t>Third level</a:t>
             </a:r>
-            <a:endParaRPr lang="en-US" smtClean="0"/>
           </a:p>
           <a:p>
             <a:pPr lvl="3"/>
@@ -1977,7 +1966,6 @@
               <a:rPr lang="en-US" smtClean="0"/>
               <a:t>Fourth level</a:t>
             </a:r>
-            <a:endParaRPr lang="en-US" smtClean="0"/>
           </a:p>
           <a:p>
             <a:pPr lvl="4"/>
@@ -2051,7 +2039,6 @@
               <a:rPr lang="en-US" smtClean="0"/>
               <a:t>Click to edit Master text styles</a:t>
             </a:r>
-            <a:endParaRPr lang="en-US" smtClean="0"/>
           </a:p>
         </p:txBody>
       </p:sp>
@@ -2072,6 +2059,7 @@
           <a:p>
             <a:fld id="{63A1C593-65D0-4073-BCC9-577B9352EA97}" type="datetimeFigureOut">
               <a:rPr lang="en-US" smtClean="0"/>
+              <a:t>4/20/2021</a:t>
             </a:fld>
             <a:endParaRPr lang="en-US"/>
           </a:p>
@@ -2113,6 +2101,7 @@
           <a:p>
             <a:fld id="{9B618960-8005-486C-9A75-10CB2AAC16F9}" type="slidenum">
               <a:rPr lang="en-US" smtClean="0"/>
+              <a:t>‹#›</a:t>
             </a:fld>
             <a:endParaRPr lang="en-US"/>
           </a:p>
@@ -2298,7 +2287,6 @@
               <a:rPr lang="en-US" smtClean="0"/>
               <a:t>Click to edit Master text styles</a:t>
             </a:r>
-            <a:endParaRPr lang="en-US" smtClean="0"/>
           </a:p>
         </p:txBody>
       </p:sp>
@@ -2319,6 +2307,7 @@
           <a:p>
             <a:fld id="{63A1C593-65D0-4073-BCC9-577B9352EA97}" type="datetimeFigureOut">
               <a:rPr lang="en-US" smtClean="0"/>
+              <a:t>4/20/2021</a:t>
             </a:fld>
             <a:endParaRPr lang="en-US"/>
           </a:p>
@@ -2360,6 +2349,7 @@
           <a:p>
             <a:fld id="{9B618960-8005-486C-9A75-10CB2AAC16F9}" type="slidenum">
               <a:rPr lang="en-US" smtClean="0"/>
+              <a:t>‹#›</a:t>
             </a:fld>
             <a:endParaRPr lang="en-US"/>
           </a:p>
@@ -2377,7 +2367,7 @@
 <p:sldMaster xmlns:a="http://schemas.openxmlformats.org/drawingml/2006/main" xmlns:r="http://schemas.openxmlformats.org/officeDocument/2006/relationships" xmlns:p="http://schemas.openxmlformats.org/presentationml/2006/main">
   <p:cSld>
     <p:bg>
-      <p:bgRef idx="1001">
+      <p:bgRef idx="1003">
         <a:schemeClr val="bg1"/>
       </p:bgRef>
     </p:bg>
@@ -2458,7 +2448,6 @@
               <a:rPr lang="en-US" smtClean="0"/>
               <a:t>Click to edit Master text styles</a:t>
             </a:r>
-            <a:endParaRPr lang="en-US" smtClean="0"/>
           </a:p>
           <a:p>
             <a:pPr lvl="1"/>
@@ -2466,7 +2455,6 @@
               <a:rPr lang="en-US" smtClean="0"/>
               <a:t>Second level</a:t>
             </a:r>
-            <a:endParaRPr lang="en-US" smtClean="0"/>
           </a:p>
           <a:p>
             <a:pPr lvl="2"/>
@@ -2474,7 +2462,6 @@
               <a:rPr lang="en-US" smtClean="0"/>
               <a:t>Third level</a:t>
             </a:r>
-            <a:endParaRPr lang="en-US" smtClean="0"/>
           </a:p>
           <a:p>
             <a:pPr lvl="3"/>
@@ -2482,7 +2469,6 @@
               <a:rPr lang="en-US" smtClean="0"/>
               <a:t>Fourth level</a:t>
             </a:r>
-            <a:endParaRPr lang="en-US" smtClean="0"/>
           </a:p>
           <a:p>
             <a:pPr lvl="4"/>
@@ -2529,6 +2515,7 @@
           <a:p>
             <a:fld id="{63A1C593-65D0-4073-BCC9-577B9352EA97}" type="datetimeFigureOut">
               <a:rPr lang="en-US" smtClean="0"/>
+              <a:t>4/20/2021</a:t>
             </a:fld>
             <a:endParaRPr lang="en-US"/>
           </a:p>
@@ -2606,6 +2593,7 @@
           <a:p>
             <a:fld id="{9B618960-8005-486C-9A75-10CB2AAC16F9}" type="slidenum">
               <a:rPr lang="en-US" smtClean="0"/>
+              <a:t>‹#›</a:t>
             </a:fld>
             <a:endParaRPr lang="en-US"/>
           </a:p>
@@ -2919,7 +2907,14 @@
         <p:cNvGrpSpPr/>
         <p:nvPr/>
       </p:nvGrpSpPr>
-      <p:grpSpPr/>
+      <p:grpSpPr>
+        <a:xfrm>
+          <a:off x="0" y="0"/>
+          <a:ext cx="0" cy="0"/>
+          <a:chOff x="0" y="0"/>
+          <a:chExt cx="0" cy="0"/>
+        </a:xfrm>
+      </p:grpSpPr>
       <p:sp>
         <p:nvSpPr>
           <p:cNvPr id="12" name="Flowchart: Alternate Process 11"/>
@@ -2935,7 +2930,9 @@
             <a:avLst/>
           </a:prstGeom>
           <a:solidFill>
-            <a:schemeClr val="bg1"/>
+            <a:schemeClr val="bg2">
+              <a:lumMod val="90000"/>
+            </a:schemeClr>
           </a:solidFill>
           <a:ln w="28575" cmpd="sng">
             <a:solidFill>
@@ -2962,6 +2959,7 @@
         </p:style>
         <p:txBody>
           <a:bodyPr rtlCol="0" anchor="ctr"/>
+          <a:lstStyle/>
           <a:p>
             <a:pPr algn="ctr"/>
             <a:r>
@@ -2972,11 +2970,6 @@
               </a:rPr>
               <a:t>START</a:t>
             </a:r>
-            <a:endParaRPr lang="en-US">
-              <a:solidFill>
-                <a:schemeClr val="tx1"/>
-              </a:solidFill>
-            </a:endParaRPr>
           </a:p>
         </p:txBody>
       </p:sp>
@@ -3103,7 +3096,10 @@
             <a:avLst/>
           </a:prstGeom>
           <a:solidFill>
-            <a:schemeClr val="bg1"/>
+            <a:schemeClr val="accent1">
+              <a:lumMod val="20000"/>
+              <a:lumOff val="80000"/>
+            </a:schemeClr>
           </a:solidFill>
           <a:ln w="28575" cmpd="sng">
             <a:solidFill>
@@ -3130,6 +3126,7 @@
         </p:style>
         <p:txBody>
           <a:bodyPr rtlCol="0" anchor="ctr"/>
+          <a:lstStyle/>
           <a:p>
             <a:pPr algn="ctr"/>
             <a:r>
@@ -3141,12 +3138,6 @@
               </a:rPr>
               <a:t>T=17</a:t>
             </a:r>
-            <a:endParaRPr lang="en-US">
-              <a:solidFill>
-                <a:schemeClr val="tx1"/>
-              </a:solidFill>
-              <a:sym typeface="+mn-ea"/>
-            </a:endParaRPr>
           </a:p>
         </p:txBody>
       </p:sp>
@@ -3165,7 +3156,10 @@
             <a:avLst/>
           </a:prstGeom>
           <a:solidFill>
-            <a:schemeClr val="bg1"/>
+            <a:schemeClr val="accent1">
+              <a:lumMod val="20000"/>
+              <a:lumOff val="80000"/>
+            </a:schemeClr>
           </a:solidFill>
           <a:ln w="28575" cmpd="sng">
             <a:solidFill>
@@ -3192,6 +3186,7 @@
         </p:style>
         <p:txBody>
           <a:bodyPr rtlCol="0" anchor="ctr"/>
+          <a:lstStyle/>
           <a:p>
             <a:pPr algn="ctr"/>
             <a:r>
@@ -3203,12 +3198,6 @@
               </a:rPr>
               <a:t>S=22</a:t>
             </a:r>
-            <a:endParaRPr lang="en-US">
-              <a:solidFill>
-                <a:schemeClr val="tx1"/>
-              </a:solidFill>
-              <a:sym typeface="+mn-ea"/>
-            </a:endParaRPr>
           </a:p>
         </p:txBody>
       </p:sp>
@@ -3263,7 +3252,10 @@
             <a:avLst/>
           </a:prstGeom>
           <a:solidFill>
-            <a:schemeClr val="bg1"/>
+            <a:schemeClr val="accent1">
+              <a:lumMod val="20000"/>
+              <a:lumOff val="80000"/>
+            </a:schemeClr>
           </a:solidFill>
           <a:ln w="28575" cmpd="sng">
             <a:solidFill>
@@ -3290,6 +3282,7 @@
         </p:style>
         <p:txBody>
           <a:bodyPr rtlCol="0" anchor="ctr"/>
+          <a:lstStyle/>
           <a:p>
             <a:pPr algn="ctr"/>
             <a:r>
@@ -3301,12 +3294,6 @@
               </a:rPr>
               <a:t>D=S-T</a:t>
             </a:r>
-            <a:endParaRPr lang="en-US">
-              <a:solidFill>
-                <a:schemeClr val="tx1"/>
-              </a:solidFill>
-              <a:sym typeface="+mn-ea"/>
-            </a:endParaRPr>
           </a:p>
         </p:txBody>
       </p:sp>
@@ -3325,7 +3312,10 @@
             <a:avLst/>
           </a:prstGeom>
           <a:solidFill>
-            <a:schemeClr val="bg1"/>
+            <a:schemeClr val="accent2">
+              <a:lumMod val="60000"/>
+              <a:lumOff val="40000"/>
+            </a:schemeClr>
           </a:solidFill>
           <a:ln w="28575" cmpd="sng">
             <a:solidFill>
@@ -3352,6 +3342,793 @@
         </p:style>
         <p:txBody>
           <a:bodyPr rtlCol="0" anchor="ctr"/>
+          <a:lstStyle/>
+          <a:p>
+            <a:pPr algn="ctr"/>
+            <a:r>
+              <a:rPr lang="en-US" sz="1600" dirty="0">
+                <a:solidFill>
+                  <a:schemeClr val="tx1"/>
+                </a:solidFill>
+                <a:sym typeface="+mn-ea"/>
+              </a:rPr>
+              <a:t>S&gt;17</a:t>
+            </a:r>
+          </a:p>
+        </p:txBody>
+      </p:sp>
+      <p:cxnSp>
+        <p:nvCxnSpPr>
+          <p:cNvPr id="47" name="Straight Arrow Connector 46"/>
+          <p:cNvCxnSpPr/>
+          <p:nvPr/>
+        </p:nvCxnSpPr>
+        <p:spPr>
+          <a:xfrm flipV="1">
+            <a:off x="2866390" y="3281680"/>
+            <a:ext cx="690245" cy="10160"/>
+          </a:xfrm>
+          <a:prstGeom prst="straightConnector1">
+            <a:avLst/>
+          </a:prstGeom>
+          <a:ln>
+            <a:solidFill>
+              <a:schemeClr val="tx1"/>
+            </a:solidFill>
+            <a:tailEnd type="arrow"/>
+          </a:ln>
+        </p:spPr>
+        <p:style>
+          <a:lnRef idx="1">
+            <a:schemeClr val="accent1"/>
+          </a:lnRef>
+          <a:fillRef idx="0">
+            <a:schemeClr val="accent1"/>
+          </a:fillRef>
+          <a:effectRef idx="0">
+            <a:schemeClr val="accent1"/>
+          </a:effectRef>
+          <a:fontRef idx="minor">
+            <a:schemeClr val="tx1"/>
+          </a:fontRef>
+        </p:style>
+      </p:cxnSp>
+      <p:cxnSp>
+        <p:nvCxnSpPr>
+          <p:cNvPr id="55" name="Straight Arrow Connector 54"/>
+          <p:cNvCxnSpPr/>
+          <p:nvPr/>
+        </p:nvCxnSpPr>
+        <p:spPr>
+          <a:xfrm flipH="1">
+            <a:off x="2079625" y="3781425"/>
+            <a:ext cx="8255" cy="804545"/>
+          </a:xfrm>
+          <a:prstGeom prst="straightConnector1">
+            <a:avLst/>
+          </a:prstGeom>
+          <a:ln>
+            <a:solidFill>
+              <a:schemeClr val="tx1"/>
+            </a:solidFill>
+            <a:tailEnd type="arrow"/>
+          </a:ln>
+        </p:spPr>
+        <p:style>
+          <a:lnRef idx="1">
+            <a:schemeClr val="accent1"/>
+          </a:lnRef>
+          <a:fillRef idx="0">
+            <a:schemeClr val="accent1"/>
+          </a:fillRef>
+          <a:effectRef idx="0">
+            <a:schemeClr val="accent1"/>
+          </a:effectRef>
+          <a:fontRef idx="minor">
+            <a:schemeClr val="tx1"/>
+          </a:fontRef>
+        </p:style>
+      </p:cxnSp>
+      <p:sp>
+        <p:nvSpPr>
+          <p:cNvPr id="59" name="Text Box 58"/>
+          <p:cNvSpPr txBox="1"/>
+          <p:nvPr/>
+        </p:nvSpPr>
+        <p:spPr>
+          <a:xfrm>
+            <a:off x="3270885" y="2768600"/>
+            <a:ext cx="568325" cy="337185"/>
+          </a:xfrm>
+          <a:prstGeom prst="rect">
+            <a:avLst/>
+          </a:prstGeom>
+          <a:noFill/>
+        </p:spPr>
+        <p:txBody>
+          <a:bodyPr wrap="square" rtlCol="0">
+            <a:spAutoFit/>
+          </a:bodyPr>
+          <a:lstStyle/>
+          <a:p>
+            <a:r>
+              <a:rPr lang="en-US" sz="1600"/>
+              <a:t>True</a:t>
+            </a:r>
+          </a:p>
+        </p:txBody>
+      </p:sp>
+      <p:sp>
+        <p:nvSpPr>
+          <p:cNvPr id="61" name="Text Box 60"/>
+          <p:cNvSpPr txBox="1"/>
+          <p:nvPr/>
+        </p:nvSpPr>
+        <p:spPr>
+          <a:xfrm>
+            <a:off x="1083310" y="3788410"/>
+            <a:ext cx="692785" cy="337185"/>
+          </a:xfrm>
+          <a:prstGeom prst="rect">
+            <a:avLst/>
+          </a:prstGeom>
+          <a:noFill/>
+        </p:spPr>
+        <p:txBody>
+          <a:bodyPr wrap="square" rtlCol="0">
+            <a:spAutoFit/>
+          </a:bodyPr>
+          <a:lstStyle/>
+          <a:p>
+            <a:r>
+              <a:rPr lang="en-US" sz="1600"/>
+              <a:t>False</a:t>
+            </a:r>
+          </a:p>
+        </p:txBody>
+      </p:sp>
+      <p:cxnSp>
+        <p:nvCxnSpPr>
+          <p:cNvPr id="29" name="Straight Arrow Connector 28"/>
+          <p:cNvCxnSpPr/>
+          <p:nvPr/>
+        </p:nvCxnSpPr>
+        <p:spPr>
+          <a:xfrm flipH="1">
+            <a:off x="4280535" y="3498850"/>
+            <a:ext cx="635" cy="2120900"/>
+          </a:xfrm>
+          <a:prstGeom prst="straightConnector1">
+            <a:avLst/>
+          </a:prstGeom>
+          <a:ln>
+            <a:solidFill>
+              <a:schemeClr val="tx1"/>
+            </a:solidFill>
+            <a:tailEnd type="arrow"/>
+          </a:ln>
+        </p:spPr>
+        <p:style>
+          <a:lnRef idx="1">
+            <a:schemeClr val="accent1"/>
+          </a:lnRef>
+          <a:fillRef idx="0">
+            <a:schemeClr val="accent1"/>
+          </a:fillRef>
+          <a:effectRef idx="0">
+            <a:schemeClr val="accent1"/>
+          </a:effectRef>
+          <a:fontRef idx="minor">
+            <a:schemeClr val="tx1"/>
+          </a:fontRef>
+        </p:style>
+      </p:cxnSp>
+      <p:cxnSp>
+        <p:nvCxnSpPr>
+          <p:cNvPr id="30" name="Straight Arrow Connector 29"/>
+          <p:cNvCxnSpPr/>
+          <p:nvPr/>
+        </p:nvCxnSpPr>
+        <p:spPr>
+          <a:xfrm flipH="1">
+            <a:off x="3735070" y="5607685"/>
+            <a:ext cx="545465" cy="2540"/>
+          </a:xfrm>
+          <a:prstGeom prst="straightConnector1">
+            <a:avLst/>
+          </a:prstGeom>
+          <a:ln>
+            <a:solidFill>
+              <a:schemeClr val="tx1"/>
+            </a:solidFill>
+            <a:tailEnd type="arrow"/>
+          </a:ln>
+        </p:spPr>
+        <p:style>
+          <a:lnRef idx="1">
+            <a:schemeClr val="accent1"/>
+          </a:lnRef>
+          <a:fillRef idx="0">
+            <a:schemeClr val="accent1"/>
+          </a:fillRef>
+          <a:effectRef idx="0">
+            <a:schemeClr val="accent1"/>
+          </a:effectRef>
+          <a:fontRef idx="minor">
+            <a:schemeClr val="tx1"/>
+          </a:fontRef>
+        </p:style>
+      </p:cxnSp>
+      <p:sp>
+        <p:nvSpPr>
+          <p:cNvPr id="20" name="Flowchart: Process 19"/>
+          <p:cNvSpPr/>
+          <p:nvPr/>
+        </p:nvSpPr>
+        <p:spPr>
+          <a:xfrm>
+            <a:off x="469900" y="4585970"/>
+            <a:ext cx="3263900" cy="393065"/>
+          </a:xfrm>
+          <a:prstGeom prst="flowChartProcess">
+            <a:avLst/>
+          </a:prstGeom>
+          <a:solidFill>
+            <a:schemeClr val="accent6">
+              <a:lumMod val="40000"/>
+              <a:lumOff val="60000"/>
+            </a:schemeClr>
+          </a:solidFill>
+          <a:ln w="28575" cmpd="sng">
+            <a:solidFill>
+              <a:schemeClr val="tx1"/>
+            </a:solidFill>
+            <a:prstDash val="solid"/>
+          </a:ln>
+        </p:spPr>
+        <p:style>
+          <a:lnRef idx="2">
+            <a:schemeClr val="accent6"/>
+          </a:lnRef>
+          <a:fillRef idx="1">
+            <a:schemeClr val="lt1"/>
+          </a:fillRef>
+          <a:effectRef idx="0">
+            <a:schemeClr val="accent6"/>
+          </a:effectRef>
+          <a:fontRef idx="minor">
+            <a:schemeClr val="dk1"/>
+          </a:fontRef>
+        </p:style>
+        <p:txBody>
+          <a:bodyPr rtlCol="0" anchor="ctr"/>
+          <a:lstStyle/>
+          <a:p>
+            <a:pPr algn="ctr"/>
+            <a:r>
+              <a:rPr lang="en-US"/>
+              <a:t>PRINT(D)</a:t>
+            </a:r>
+          </a:p>
+        </p:txBody>
+      </p:sp>
+      <p:cxnSp>
+        <p:nvCxnSpPr>
+          <p:cNvPr id="67" name="Straight Arrow Connector 66"/>
+          <p:cNvCxnSpPr/>
+          <p:nvPr/>
+        </p:nvCxnSpPr>
+        <p:spPr>
+          <a:xfrm>
+            <a:off x="2099310" y="5008245"/>
+            <a:ext cx="19050" cy="420370"/>
+          </a:xfrm>
+          <a:prstGeom prst="straightConnector1">
+            <a:avLst/>
+          </a:prstGeom>
+          <a:ln>
+            <a:solidFill>
+              <a:schemeClr val="tx1"/>
+            </a:solidFill>
+            <a:tailEnd type="arrow"/>
+          </a:ln>
+        </p:spPr>
+        <p:style>
+          <a:lnRef idx="1">
+            <a:schemeClr val="accent1"/>
+          </a:lnRef>
+          <a:fillRef idx="0">
+            <a:schemeClr val="accent1"/>
+          </a:fillRef>
+          <a:effectRef idx="0">
+            <a:schemeClr val="accent1"/>
+          </a:effectRef>
+          <a:fontRef idx="minor">
+            <a:schemeClr val="tx1"/>
+          </a:fontRef>
+        </p:style>
+      </p:cxnSp>
+      <p:sp>
+        <p:nvSpPr>
+          <p:cNvPr id="54" name="Flowchart: Alternate Process 53"/>
+          <p:cNvSpPr/>
+          <p:nvPr/>
+        </p:nvSpPr>
+        <p:spPr>
+          <a:xfrm>
+            <a:off x="454025" y="5428615"/>
+            <a:ext cx="3263900" cy="360680"/>
+          </a:xfrm>
+          <a:prstGeom prst="flowChartAlternateProcess">
+            <a:avLst/>
+          </a:prstGeom>
+          <a:solidFill>
+            <a:schemeClr val="bg1">
+              <a:lumMod val="85000"/>
+            </a:schemeClr>
+          </a:solidFill>
+          <a:ln w="28575" cmpd="sng">
+            <a:solidFill>
+              <a:schemeClr val="tx1"/>
+            </a:solidFill>
+            <a:prstDash val="solid"/>
+          </a:ln>
+        </p:spPr>
+        <p:style>
+          <a:lnRef idx="2">
+            <a:schemeClr val="accent1">
+              <a:shade val="50000"/>
+            </a:schemeClr>
+          </a:lnRef>
+          <a:fillRef idx="1">
+            <a:schemeClr val="accent1"/>
+          </a:fillRef>
+          <a:effectRef idx="0">
+            <a:schemeClr val="accent1"/>
+          </a:effectRef>
+          <a:fontRef idx="minor">
+            <a:schemeClr val="lt1"/>
+          </a:fontRef>
+        </p:style>
+        <p:txBody>
+          <a:bodyPr rtlCol="0" anchor="ctr"/>
+          <a:lstStyle/>
+          <a:p>
+            <a:pPr algn="ctr"/>
+            <a:r>
+              <a:rPr lang="en-US">
+                <a:solidFill>
+                  <a:schemeClr val="tx1"/>
+                </a:solidFill>
+              </a:rPr>
+              <a:t>END</a:t>
+            </a:r>
+          </a:p>
+        </p:txBody>
+      </p:sp>
+      <p:sp>
+        <p:nvSpPr>
+          <p:cNvPr id="8" name="Flowchart: Process 7"/>
+          <p:cNvSpPr/>
+          <p:nvPr/>
+        </p:nvSpPr>
+        <p:spPr>
+          <a:xfrm>
+            <a:off x="3556635" y="3105785"/>
+            <a:ext cx="1042670" cy="393065"/>
+          </a:xfrm>
+          <a:prstGeom prst="flowChartProcess">
+            <a:avLst/>
+          </a:prstGeom>
+          <a:solidFill>
+            <a:schemeClr val="accent6">
+              <a:lumMod val="40000"/>
+              <a:lumOff val="60000"/>
+            </a:schemeClr>
+          </a:solidFill>
+          <a:ln w="28575" cmpd="sng">
+            <a:solidFill>
+              <a:schemeClr val="tx1"/>
+            </a:solidFill>
+            <a:prstDash val="solid"/>
+          </a:ln>
+        </p:spPr>
+        <p:style>
+          <a:lnRef idx="2">
+            <a:schemeClr val="accent6"/>
+          </a:lnRef>
+          <a:fillRef idx="1">
+            <a:schemeClr val="lt1"/>
+          </a:fillRef>
+          <a:effectRef idx="0">
+            <a:schemeClr val="accent6"/>
+          </a:effectRef>
+          <a:fontRef idx="minor">
+            <a:schemeClr val="dk1"/>
+          </a:fontRef>
+        </p:style>
+        <p:txBody>
+          <a:bodyPr rtlCol="0" anchor="ctr"/>
+          <a:lstStyle/>
+          <a:p>
+            <a:pPr algn="ctr"/>
+            <a:r>
+              <a:rPr lang="en-US" sz="1400" dirty="0"/>
+              <a:t>PRINT(D*2)</a:t>
+            </a:r>
+          </a:p>
+        </p:txBody>
+      </p:sp>
+      <p:cxnSp>
+        <p:nvCxnSpPr>
+          <p:cNvPr id="10" name="Straight Arrow Connector 9"/>
+          <p:cNvCxnSpPr/>
+          <p:nvPr/>
+        </p:nvCxnSpPr>
+        <p:spPr>
+          <a:xfrm>
+            <a:off x="8913495" y="889000"/>
+            <a:ext cx="3175" cy="222250"/>
+          </a:xfrm>
+          <a:prstGeom prst="straightConnector1">
+            <a:avLst/>
+          </a:prstGeom>
+          <a:ln>
+            <a:solidFill>
+              <a:schemeClr val="tx1"/>
+            </a:solidFill>
+            <a:tailEnd type="arrow"/>
+          </a:ln>
+        </p:spPr>
+        <p:style>
+          <a:lnRef idx="1">
+            <a:schemeClr val="accent1"/>
+          </a:lnRef>
+          <a:fillRef idx="0">
+            <a:schemeClr val="accent1"/>
+          </a:fillRef>
+          <a:effectRef idx="0">
+            <a:schemeClr val="accent1"/>
+          </a:effectRef>
+          <a:fontRef idx="minor">
+            <a:schemeClr val="tx1"/>
+          </a:fontRef>
+        </p:style>
+      </p:cxnSp>
+      <p:cxnSp>
+        <p:nvCxnSpPr>
+          <p:cNvPr id="11" name="Straight Arrow Connector 10"/>
+          <p:cNvCxnSpPr/>
+          <p:nvPr/>
+        </p:nvCxnSpPr>
+        <p:spPr>
+          <a:xfrm>
+            <a:off x="8898890" y="2156460"/>
+            <a:ext cx="10795" cy="258445"/>
+          </a:xfrm>
+          <a:prstGeom prst="straightConnector1">
+            <a:avLst/>
+          </a:prstGeom>
+          <a:ln>
+            <a:solidFill>
+              <a:schemeClr val="tx1"/>
+            </a:solidFill>
+            <a:tailEnd type="arrow"/>
+          </a:ln>
+        </p:spPr>
+        <p:style>
+          <a:lnRef idx="1">
+            <a:schemeClr val="accent1"/>
+          </a:lnRef>
+          <a:fillRef idx="0">
+            <a:schemeClr val="accent1"/>
+          </a:fillRef>
+          <a:effectRef idx="0">
+            <a:schemeClr val="accent1"/>
+          </a:effectRef>
+          <a:fontRef idx="minor">
+            <a:schemeClr val="tx1"/>
+          </a:fontRef>
+        </p:style>
+      </p:cxnSp>
+      <p:cxnSp>
+        <p:nvCxnSpPr>
+          <p:cNvPr id="15" name="Straight Arrow Connector 14"/>
+          <p:cNvCxnSpPr/>
+          <p:nvPr/>
+        </p:nvCxnSpPr>
+        <p:spPr>
+          <a:xfrm flipH="1">
+            <a:off x="8902065" y="1489710"/>
+            <a:ext cx="7620" cy="263525"/>
+          </a:xfrm>
+          <a:prstGeom prst="straightConnector1">
+            <a:avLst/>
+          </a:prstGeom>
+          <a:ln>
+            <a:solidFill>
+              <a:schemeClr val="tx1"/>
+            </a:solidFill>
+            <a:tailEnd type="arrow"/>
+          </a:ln>
+        </p:spPr>
+        <p:style>
+          <a:lnRef idx="1">
+            <a:schemeClr val="accent1"/>
+          </a:lnRef>
+          <a:fillRef idx="0">
+            <a:schemeClr val="accent1"/>
+          </a:fillRef>
+          <a:effectRef idx="0">
+            <a:schemeClr val="accent1"/>
+          </a:effectRef>
+          <a:fontRef idx="minor">
+            <a:schemeClr val="tx1"/>
+          </a:fontRef>
+        </p:style>
+      </p:cxnSp>
+      <p:sp>
+        <p:nvSpPr>
+          <p:cNvPr id="16" name="Flowchart: Data 15"/>
+          <p:cNvSpPr/>
+          <p:nvPr/>
+        </p:nvSpPr>
+        <p:spPr>
+          <a:xfrm>
+            <a:off x="7108825" y="1778000"/>
+            <a:ext cx="3543935" cy="378460"/>
+          </a:xfrm>
+          <a:prstGeom prst="flowChartInputOutput">
+            <a:avLst/>
+          </a:prstGeom>
+          <a:solidFill>
+            <a:schemeClr val="accent1">
+              <a:lumMod val="20000"/>
+              <a:lumOff val="80000"/>
+            </a:schemeClr>
+          </a:solidFill>
+          <a:ln w="28575" cmpd="sng">
+            <a:solidFill>
+              <a:schemeClr val="tx1"/>
+            </a:solidFill>
+            <a:prstDash val="solid"/>
+          </a:ln>
+        </p:spPr>
+        <p:style>
+          <a:lnRef idx="2">
+            <a:schemeClr val="accent1">
+              <a:shade val="50000"/>
+            </a:schemeClr>
+          </a:lnRef>
+          <a:fillRef idx="1">
+            <a:schemeClr val="accent1"/>
+          </a:fillRef>
+          <a:effectRef idx="0">
+            <a:schemeClr val="accent1"/>
+          </a:effectRef>
+          <a:fontRef idx="minor">
+            <a:schemeClr val="lt1"/>
+          </a:fontRef>
+        </p:style>
+        <p:txBody>
+          <a:bodyPr rtlCol="0" anchor="ctr"/>
+          <a:lstStyle/>
+          <a:p>
+            <a:pPr algn="ctr"/>
+            <a:r>
+              <a:rPr lang="en-US">
+                <a:solidFill>
+                  <a:schemeClr val="tx1"/>
+                </a:solidFill>
+                <a:sym typeface="+mn-ea"/>
+              </a:rPr>
+              <a:t>T=17</a:t>
+            </a:r>
+          </a:p>
+        </p:txBody>
+      </p:sp>
+      <p:sp>
+        <p:nvSpPr>
+          <p:cNvPr id="18" name="Flowchart: Data 17"/>
+          <p:cNvSpPr/>
+          <p:nvPr/>
+        </p:nvSpPr>
+        <p:spPr>
+          <a:xfrm>
+            <a:off x="7134225" y="1111250"/>
+            <a:ext cx="3543935" cy="378460"/>
+          </a:xfrm>
+          <a:prstGeom prst="flowChartInputOutput">
+            <a:avLst/>
+          </a:prstGeom>
+          <a:solidFill>
+            <a:schemeClr val="accent1">
+              <a:lumMod val="20000"/>
+              <a:lumOff val="80000"/>
+            </a:schemeClr>
+          </a:solidFill>
+          <a:ln w="28575" cmpd="sng">
+            <a:solidFill>
+              <a:schemeClr val="tx1"/>
+            </a:solidFill>
+            <a:prstDash val="solid"/>
+          </a:ln>
+        </p:spPr>
+        <p:style>
+          <a:lnRef idx="2">
+            <a:schemeClr val="accent1">
+              <a:shade val="50000"/>
+            </a:schemeClr>
+          </a:lnRef>
+          <a:fillRef idx="1">
+            <a:schemeClr val="accent1"/>
+          </a:fillRef>
+          <a:effectRef idx="0">
+            <a:schemeClr val="accent1"/>
+          </a:effectRef>
+          <a:fontRef idx="minor">
+            <a:schemeClr val="lt1"/>
+          </a:fontRef>
+        </p:style>
+        <p:txBody>
+          <a:bodyPr rtlCol="0" anchor="ctr"/>
+          <a:lstStyle/>
+          <a:p>
+            <a:pPr algn="ctr"/>
+            <a:r>
+              <a:rPr lang="en-US">
+                <a:solidFill>
+                  <a:schemeClr val="tx1"/>
+                </a:solidFill>
+                <a:sym typeface="+mn-ea"/>
+              </a:rPr>
+              <a:t>S=14</a:t>
+            </a:r>
+          </a:p>
+        </p:txBody>
+      </p:sp>
+      <p:cxnSp>
+        <p:nvCxnSpPr>
+          <p:cNvPr id="19" name="Straight Arrow Connector 18"/>
+          <p:cNvCxnSpPr/>
+          <p:nvPr/>
+        </p:nvCxnSpPr>
+        <p:spPr>
+          <a:xfrm flipH="1">
+            <a:off x="8886190" y="2768600"/>
+            <a:ext cx="7620" cy="263525"/>
+          </a:xfrm>
+          <a:prstGeom prst="straightConnector1">
+            <a:avLst/>
+          </a:prstGeom>
+          <a:ln>
+            <a:solidFill>
+              <a:schemeClr val="tx1"/>
+            </a:solidFill>
+            <a:tailEnd type="arrow"/>
+          </a:ln>
+        </p:spPr>
+        <p:style>
+          <a:lnRef idx="1">
+            <a:schemeClr val="accent1"/>
+          </a:lnRef>
+          <a:fillRef idx="0">
+            <a:schemeClr val="accent1"/>
+          </a:fillRef>
+          <a:effectRef idx="0">
+            <a:schemeClr val="accent1"/>
+          </a:effectRef>
+          <a:fontRef idx="minor">
+            <a:schemeClr val="tx1"/>
+          </a:fontRef>
+        </p:style>
+      </p:cxnSp>
+      <p:sp>
+        <p:nvSpPr>
+          <p:cNvPr id="22" name="Flowchart: Data 21"/>
+          <p:cNvSpPr/>
+          <p:nvPr/>
+        </p:nvSpPr>
+        <p:spPr>
+          <a:xfrm>
+            <a:off x="7108825" y="2390140"/>
+            <a:ext cx="3543935" cy="378460"/>
+          </a:xfrm>
+          <a:prstGeom prst="flowChartInputOutput">
+            <a:avLst/>
+          </a:prstGeom>
+          <a:solidFill>
+            <a:schemeClr val="accent1">
+              <a:lumMod val="20000"/>
+              <a:lumOff val="80000"/>
+            </a:schemeClr>
+          </a:solidFill>
+          <a:ln w="28575" cmpd="sng">
+            <a:solidFill>
+              <a:schemeClr val="tx1"/>
+            </a:solidFill>
+            <a:prstDash val="solid"/>
+          </a:ln>
+        </p:spPr>
+        <p:style>
+          <a:lnRef idx="2">
+            <a:schemeClr val="accent1">
+              <a:shade val="50000"/>
+            </a:schemeClr>
+          </a:lnRef>
+          <a:fillRef idx="1">
+            <a:schemeClr val="accent1"/>
+          </a:fillRef>
+          <a:effectRef idx="0">
+            <a:schemeClr val="accent1"/>
+          </a:effectRef>
+          <a:fontRef idx="minor">
+            <a:schemeClr val="lt1"/>
+          </a:fontRef>
+        </p:style>
+        <p:txBody>
+          <a:bodyPr rtlCol="0" anchor="ctr"/>
+          <a:lstStyle/>
+          <a:p>
+            <a:pPr algn="ctr"/>
+            <a:r>
+              <a:rPr lang="en-US">
+                <a:solidFill>
+                  <a:schemeClr val="tx1"/>
+                </a:solidFill>
+                <a:sym typeface="+mn-ea"/>
+              </a:rPr>
+              <a:t>D=S-T</a:t>
+            </a:r>
+          </a:p>
+        </p:txBody>
+      </p:sp>
+      <p:sp>
+        <p:nvSpPr>
+          <p:cNvPr id="23" name="Diamond 22"/>
+          <p:cNvSpPr/>
+          <p:nvPr/>
+        </p:nvSpPr>
+        <p:spPr>
+          <a:xfrm>
+            <a:off x="8028940" y="3032125"/>
+            <a:ext cx="1703070" cy="1012825"/>
+          </a:xfrm>
+          <a:prstGeom prst="diamond">
+            <a:avLst/>
+          </a:prstGeom>
+          <a:solidFill>
+            <a:schemeClr val="accent2">
+              <a:lumMod val="60000"/>
+              <a:lumOff val="40000"/>
+            </a:schemeClr>
+          </a:solidFill>
+          <a:ln w="28575" cmpd="sng">
+            <a:solidFill>
+              <a:schemeClr val="tx1"/>
+            </a:solidFill>
+            <a:prstDash val="solid"/>
+          </a:ln>
+        </p:spPr>
+        <p:style>
+          <a:lnRef idx="2">
+            <a:schemeClr val="accent1">
+              <a:shade val="50000"/>
+            </a:schemeClr>
+          </a:lnRef>
+          <a:fillRef idx="1">
+            <a:schemeClr val="accent1"/>
+          </a:fillRef>
+          <a:effectRef idx="0">
+            <a:schemeClr val="accent1"/>
+          </a:effectRef>
+          <a:fontRef idx="minor">
+            <a:schemeClr val="lt1"/>
+          </a:fontRef>
+        </p:style>
+        <p:txBody>
+          <a:bodyPr rtlCol="0" anchor="ctr"/>
+          <a:lstStyle/>
           <a:p>
             <a:pPr algn="ctr"/>
             <a:r>
@@ -3363,25 +4140,19 @@
               </a:rPr>
               <a:t>S&gt;17</a:t>
             </a:r>
-            <a:endParaRPr lang="en-US" sz="1600">
-              <a:solidFill>
-                <a:schemeClr val="tx1"/>
-              </a:solidFill>
-              <a:sym typeface="+mn-ea"/>
-            </a:endParaRPr>
           </a:p>
         </p:txBody>
       </p:sp>
       <p:cxnSp>
         <p:nvCxnSpPr>
-          <p:cNvPr id="47" name="Straight Arrow Connector 46"/>
+          <p:cNvPr id="24" name="Straight Arrow Connector 23"/>
           <p:cNvCxnSpPr/>
           <p:nvPr/>
         </p:nvCxnSpPr>
         <p:spPr>
-          <a:xfrm flipV="1">
-            <a:off x="2866390" y="3281680"/>
-            <a:ext cx="690245" cy="10160"/>
+          <a:xfrm>
+            <a:off x="9670415" y="3555365"/>
+            <a:ext cx="1419860" cy="26035"/>
           </a:xfrm>
           <a:prstGeom prst="straightConnector1">
             <a:avLst/>
@@ -3410,13 +4181,13 @@
       </p:cxnSp>
       <p:cxnSp>
         <p:nvCxnSpPr>
-          <p:cNvPr id="55" name="Straight Arrow Connector 54"/>
+          <p:cNvPr id="25" name="Straight Arrow Connector 24"/>
           <p:cNvCxnSpPr/>
           <p:nvPr/>
         </p:nvCxnSpPr>
         <p:spPr>
           <a:xfrm flipH="1">
-            <a:off x="2079625" y="3781425"/>
+            <a:off x="8883650" y="4044950"/>
             <a:ext cx="8255" cy="804545"/>
           </a:xfrm>
           <a:prstGeom prst="straightConnector1">
@@ -3446,13 +4217,13 @@
       </p:cxnSp>
       <p:sp>
         <p:nvSpPr>
-          <p:cNvPr id="59" name="Text Box 58"/>
+          <p:cNvPr id="26" name="Text Box 25"/>
           <p:cNvSpPr txBox="1"/>
           <p:nvPr/>
         </p:nvSpPr>
         <p:spPr>
           <a:xfrm>
-            <a:off x="3270885" y="2768600"/>
+            <a:off x="10074910" y="3032125"/>
             <a:ext cx="568325" cy="337185"/>
           </a:xfrm>
           <a:prstGeom prst="rect">
@@ -3464,24 +4235,24 @@
           <a:bodyPr wrap="square" rtlCol="0">
             <a:spAutoFit/>
           </a:bodyPr>
+          <a:lstStyle/>
           <a:p>
             <a:r>
               <a:rPr lang="en-US" sz="1600"/>
               <a:t>True</a:t>
             </a:r>
-            <a:endParaRPr lang="en-US" sz="1600"/>
-          </a:p>
-        </p:txBody>
-      </p:sp>
-      <p:sp>
-        <p:nvSpPr>
-          <p:cNvPr id="61" name="Text Box 60"/>
+          </a:p>
+        </p:txBody>
+      </p:sp>
+      <p:sp>
+        <p:nvSpPr>
+          <p:cNvPr id="27" name="Text Box 26"/>
           <p:cNvSpPr txBox="1"/>
           <p:nvPr/>
         </p:nvSpPr>
         <p:spPr>
           <a:xfrm>
-            <a:off x="1083310" y="3788410"/>
+            <a:off x="7887335" y="4051935"/>
             <a:ext cx="692785" cy="337185"/>
           </a:xfrm>
           <a:prstGeom prst="rect">
@@ -3493,25 +4264,25 @@
           <a:bodyPr wrap="square" rtlCol="0">
             <a:spAutoFit/>
           </a:bodyPr>
+          <a:lstStyle/>
           <a:p>
             <a:r>
               <a:rPr lang="en-US" sz="1600"/>
               <a:t>False</a:t>
             </a:r>
-            <a:endParaRPr lang="en-US" sz="1600"/>
           </a:p>
         </p:txBody>
       </p:sp>
       <p:cxnSp>
         <p:nvCxnSpPr>
-          <p:cNvPr id="29" name="Straight Arrow Connector 28"/>
+          <p:cNvPr id="31" name="Straight Arrow Connector 30"/>
           <p:cNvCxnSpPr/>
           <p:nvPr/>
         </p:nvCxnSpPr>
         <p:spPr>
           <a:xfrm flipH="1">
-            <a:off x="4280535" y="3498850"/>
-            <a:ext cx="635" cy="2120900"/>
+            <a:off x="11090275" y="3555365"/>
+            <a:ext cx="635" cy="2299335"/>
           </a:xfrm>
           <a:prstGeom prst="straightConnector1">
             <a:avLst/>
@@ -3540,13 +4311,13 @@
       </p:cxnSp>
       <p:cxnSp>
         <p:nvCxnSpPr>
-          <p:cNvPr id="30" name="Straight Arrow Connector 29"/>
+          <p:cNvPr id="32" name="Straight Arrow Connector 31"/>
           <p:cNvCxnSpPr/>
           <p:nvPr/>
         </p:nvCxnSpPr>
         <p:spPr>
           <a:xfrm flipH="1">
-            <a:off x="3735070" y="5607685"/>
+            <a:off x="10539095" y="5871210"/>
             <a:ext cx="545465" cy="2540"/>
           </a:xfrm>
           <a:prstGeom prst="straightConnector1">
@@ -3576,18 +4347,24 @@
       </p:cxnSp>
       <p:sp>
         <p:nvSpPr>
-          <p:cNvPr id="20" name="Flowchart: Process 19"/>
+          <p:cNvPr id="33" name="Flowchart: Process 32"/>
           <p:cNvSpPr/>
           <p:nvPr/>
         </p:nvSpPr>
         <p:spPr>
           <a:xfrm>
-            <a:off x="469900" y="4585970"/>
+            <a:off x="7273925" y="4849495"/>
             <a:ext cx="3263900" cy="393065"/>
           </a:xfrm>
           <a:prstGeom prst="flowChartProcess">
             <a:avLst/>
           </a:prstGeom>
+          <a:solidFill>
+            <a:schemeClr val="accent6">
+              <a:lumMod val="40000"/>
+              <a:lumOff val="60000"/>
+            </a:schemeClr>
+          </a:solidFill>
           <a:ln w="28575" cmpd="sng">
             <a:solidFill>
               <a:schemeClr val="tx1"/>
@@ -3611,25 +4388,25 @@
         </p:style>
         <p:txBody>
           <a:bodyPr rtlCol="0" anchor="ctr"/>
+          <a:lstStyle/>
           <a:p>
             <a:pPr algn="ctr"/>
             <a:r>
-              <a:rPr lang="en-US"/>
+              <a:rPr lang="en-US" dirty="0"/>
               <a:t>PRINT(D)</a:t>
             </a:r>
-            <a:endParaRPr lang="en-US"/>
           </a:p>
         </p:txBody>
       </p:sp>
       <p:cxnSp>
         <p:nvCxnSpPr>
-          <p:cNvPr id="67" name="Straight Arrow Connector 66"/>
+          <p:cNvPr id="34" name="Straight Arrow Connector 33"/>
           <p:cNvCxnSpPr/>
           <p:nvPr/>
         </p:nvCxnSpPr>
         <p:spPr>
           <a:xfrm>
-            <a:off x="2099310" y="5008245"/>
+            <a:off x="8903335" y="5271770"/>
             <a:ext cx="19050" cy="420370"/>
           </a:xfrm>
           <a:prstGeom prst="straightConnector1">
@@ -3659,20 +4436,22 @@
       </p:cxnSp>
       <p:sp>
         <p:nvSpPr>
-          <p:cNvPr id="54" name="Flowchart: Alternate Process 53"/>
+          <p:cNvPr id="36" name="Flowchart: Alternate Process 35"/>
           <p:cNvSpPr/>
           <p:nvPr/>
         </p:nvSpPr>
         <p:spPr>
           <a:xfrm>
-            <a:off x="454025" y="5428615"/>
+            <a:off x="7258050" y="5692140"/>
             <a:ext cx="3263900" cy="360680"/>
           </a:xfrm>
           <a:prstGeom prst="flowChartAlternateProcess">
             <a:avLst/>
           </a:prstGeom>
           <a:solidFill>
-            <a:schemeClr val="bg1"/>
+            <a:schemeClr val="bg1">
+              <a:lumMod val="85000"/>
+            </a:schemeClr>
           </a:solidFill>
           <a:ln w="28575" cmpd="sng">
             <a:solidFill>
@@ -3699,17 +4478,129 @@
         </p:style>
         <p:txBody>
           <a:bodyPr rtlCol="0" anchor="ctr"/>
+          <a:lstStyle/>
           <a:p>
             <a:pPr algn="ctr"/>
             <a:r>
-              <a:rPr lang="en-US">
+              <a:rPr lang="en-US" dirty="0">
                 <a:solidFill>
                   <a:schemeClr val="tx1"/>
                 </a:solidFill>
               </a:rPr>
               <a:t>END</a:t>
             </a:r>
-            <a:endParaRPr lang="en-US">
+          </a:p>
+        </p:txBody>
+      </p:sp>
+      <p:sp>
+        <p:nvSpPr>
+          <p:cNvPr id="37" name="Flowchart: Process 36"/>
+          <p:cNvSpPr/>
+          <p:nvPr/>
+        </p:nvSpPr>
+        <p:spPr>
+          <a:xfrm>
+            <a:off x="10464411" y="3458865"/>
+            <a:ext cx="1042670" cy="393065"/>
+          </a:xfrm>
+          <a:prstGeom prst="flowChartProcess">
+            <a:avLst/>
+          </a:prstGeom>
+          <a:solidFill>
+            <a:schemeClr val="accent6">
+              <a:lumMod val="40000"/>
+              <a:lumOff val="60000"/>
+            </a:schemeClr>
+          </a:solidFill>
+          <a:ln w="28575" cmpd="sng">
+            <a:solidFill>
+              <a:schemeClr val="tx1"/>
+            </a:solidFill>
+            <a:prstDash val="solid"/>
+          </a:ln>
+        </p:spPr>
+        <p:style>
+          <a:lnRef idx="2">
+            <a:schemeClr val="accent6"/>
+          </a:lnRef>
+          <a:fillRef idx="1">
+            <a:schemeClr val="lt1"/>
+          </a:fillRef>
+          <a:effectRef idx="0">
+            <a:schemeClr val="accent6"/>
+          </a:effectRef>
+          <a:fontRef idx="minor">
+            <a:schemeClr val="dk1"/>
+          </a:fontRef>
+        </p:style>
+        <p:txBody>
+          <a:bodyPr rtlCol="0" anchor="ctr"/>
+          <a:lstStyle/>
+          <a:p>
+            <a:pPr algn="ctr"/>
+            <a:r>
+              <a:rPr lang="en-US" sz="1400"/>
+              <a:t>PRINT(D*2)</a:t>
+            </a:r>
+          </a:p>
+        </p:txBody>
+      </p:sp>
+      <p:sp>
+        <p:nvSpPr>
+          <p:cNvPr id="38" name="Flowchart: Alternate Process 37"/>
+          <p:cNvSpPr/>
+          <p:nvPr/>
+        </p:nvSpPr>
+        <p:spPr>
+          <a:xfrm>
+            <a:off x="7258050" y="394970"/>
+            <a:ext cx="3589655" cy="452755"/>
+          </a:xfrm>
+          <a:prstGeom prst="flowChartAlternateProcess">
+            <a:avLst/>
+          </a:prstGeom>
+          <a:solidFill>
+            <a:schemeClr val="bg1">
+              <a:lumMod val="85000"/>
+            </a:schemeClr>
+          </a:solidFill>
+          <a:ln w="28575" cmpd="sng">
+            <a:solidFill>
+              <a:schemeClr val="tx1"/>
+            </a:solidFill>
+            <a:prstDash val="solid"/>
+          </a:ln>
+        </p:spPr>
+        <p:style>
+          <a:lnRef idx="2">
+            <a:schemeClr val="accent1">
+              <a:shade val="50000"/>
+            </a:schemeClr>
+          </a:lnRef>
+          <a:fillRef idx="1">
+            <a:schemeClr val="accent1"/>
+          </a:fillRef>
+          <a:effectRef idx="0">
+            <a:schemeClr val="accent1"/>
+          </a:effectRef>
+          <a:fontRef idx="minor">
+            <a:schemeClr val="lt1"/>
+          </a:fontRef>
+        </p:style>
+        <p:txBody>
+          <a:bodyPr rtlCol="0" anchor="ctr"/>
+          <a:lstStyle/>
+          <a:p>
+            <a:pPr algn="ctr"/>
+            <a:r>
+              <a:rPr lang="en-US" dirty="0" smtClean="0">
+                <a:solidFill>
+                  <a:schemeClr val="tx1"/>
+                </a:solidFill>
+              </a:rPr>
+              <a:t>START1</a:t>
+            </a:r>
+            <a:endParaRPr lang="en-US" dirty="0">
               <a:solidFill>
                 <a:schemeClr val="tx1"/>
               </a:solidFill>
@@ -3719,525 +4610,14 @@
       </p:sp>
       <p:sp>
         <p:nvSpPr>
-          <p:cNvPr id="8" name="Flowchart: Process 7"/>
-          <p:cNvSpPr/>
-          <p:nvPr/>
-        </p:nvSpPr>
-        <p:spPr>
-          <a:xfrm>
-            <a:off x="3556635" y="3105785"/>
-            <a:ext cx="1042670" cy="393065"/>
-          </a:xfrm>
-          <a:prstGeom prst="flowChartProcess">
-            <a:avLst/>
-          </a:prstGeom>
-          <a:ln w="28575" cmpd="sng">
-            <a:solidFill>
-              <a:schemeClr val="tx1"/>
-            </a:solidFill>
-            <a:prstDash val="solid"/>
-          </a:ln>
-        </p:spPr>
-        <p:style>
-          <a:lnRef idx="2">
-            <a:schemeClr val="accent6"/>
-          </a:lnRef>
-          <a:fillRef idx="1">
-            <a:schemeClr val="lt1"/>
-          </a:fillRef>
-          <a:effectRef idx="0">
-            <a:schemeClr val="accent6"/>
-          </a:effectRef>
-          <a:fontRef idx="minor">
-            <a:schemeClr val="dk1"/>
-          </a:fontRef>
-        </p:style>
-        <p:txBody>
-          <a:bodyPr rtlCol="0" anchor="ctr"/>
-          <a:p>
-            <a:pPr algn="ctr"/>
-            <a:r>
-              <a:rPr lang="en-US" sz="1400"/>
-              <a:t>PRINT(D*2)</a:t>
-            </a:r>
-            <a:endParaRPr lang="en-US" sz="1400"/>
-          </a:p>
-        </p:txBody>
-      </p:sp>
-      <p:cxnSp>
-        <p:nvCxnSpPr>
-          <p:cNvPr id="10" name="Straight Arrow Connector 9"/>
-          <p:cNvCxnSpPr/>
-          <p:nvPr/>
-        </p:nvCxnSpPr>
-        <p:spPr>
-          <a:xfrm>
-            <a:off x="8913495" y="889000"/>
-            <a:ext cx="3175" cy="222250"/>
-          </a:xfrm>
-          <a:prstGeom prst="straightConnector1">
-            <a:avLst/>
-          </a:prstGeom>
-          <a:ln>
-            <a:solidFill>
-              <a:schemeClr val="tx1"/>
-            </a:solidFill>
-            <a:tailEnd type="arrow"/>
-          </a:ln>
-        </p:spPr>
-        <p:style>
-          <a:lnRef idx="1">
-            <a:schemeClr val="accent1"/>
-          </a:lnRef>
-          <a:fillRef idx="0">
-            <a:schemeClr val="accent1"/>
-          </a:fillRef>
-          <a:effectRef idx="0">
-            <a:schemeClr val="accent1"/>
-          </a:effectRef>
-          <a:fontRef idx="minor">
-            <a:schemeClr val="tx1"/>
-          </a:fontRef>
-        </p:style>
-      </p:cxnSp>
-      <p:cxnSp>
-        <p:nvCxnSpPr>
-          <p:cNvPr id="11" name="Straight Arrow Connector 10"/>
-          <p:cNvCxnSpPr/>
-          <p:nvPr/>
-        </p:nvCxnSpPr>
-        <p:spPr>
-          <a:xfrm>
-            <a:off x="8898890" y="2156460"/>
-            <a:ext cx="10795" cy="258445"/>
-          </a:xfrm>
-          <a:prstGeom prst="straightConnector1">
-            <a:avLst/>
-          </a:prstGeom>
-          <a:ln>
-            <a:solidFill>
-              <a:schemeClr val="tx1"/>
-            </a:solidFill>
-            <a:tailEnd type="arrow"/>
-          </a:ln>
-        </p:spPr>
-        <p:style>
-          <a:lnRef idx="1">
-            <a:schemeClr val="accent1"/>
-          </a:lnRef>
-          <a:fillRef idx="0">
-            <a:schemeClr val="accent1"/>
-          </a:fillRef>
-          <a:effectRef idx="0">
-            <a:schemeClr val="accent1"/>
-          </a:effectRef>
-          <a:fontRef idx="minor">
-            <a:schemeClr val="tx1"/>
-          </a:fontRef>
-        </p:style>
-      </p:cxnSp>
-      <p:cxnSp>
-        <p:nvCxnSpPr>
-          <p:cNvPr id="15" name="Straight Arrow Connector 14"/>
-          <p:cNvCxnSpPr/>
-          <p:nvPr/>
-        </p:nvCxnSpPr>
-        <p:spPr>
-          <a:xfrm flipH="1">
-            <a:off x="8902065" y="1489710"/>
-            <a:ext cx="7620" cy="263525"/>
-          </a:xfrm>
-          <a:prstGeom prst="straightConnector1">
-            <a:avLst/>
-          </a:prstGeom>
-          <a:ln>
-            <a:solidFill>
-              <a:schemeClr val="tx1"/>
-            </a:solidFill>
-            <a:tailEnd type="arrow"/>
-          </a:ln>
-        </p:spPr>
-        <p:style>
-          <a:lnRef idx="1">
-            <a:schemeClr val="accent1"/>
-          </a:lnRef>
-          <a:fillRef idx="0">
-            <a:schemeClr val="accent1"/>
-          </a:fillRef>
-          <a:effectRef idx="0">
-            <a:schemeClr val="accent1"/>
-          </a:effectRef>
-          <a:fontRef idx="minor">
-            <a:schemeClr val="tx1"/>
-          </a:fontRef>
-        </p:style>
-      </p:cxnSp>
-      <p:sp>
-        <p:nvSpPr>
-          <p:cNvPr id="16" name="Flowchart: Data 15"/>
-          <p:cNvSpPr/>
-          <p:nvPr/>
-        </p:nvSpPr>
-        <p:spPr>
-          <a:xfrm>
-            <a:off x="7108825" y="1778000"/>
-            <a:ext cx="3543935" cy="378460"/>
-          </a:xfrm>
-          <a:prstGeom prst="flowChartInputOutput">
-            <a:avLst/>
-          </a:prstGeom>
-          <a:solidFill>
-            <a:schemeClr val="bg1"/>
-          </a:solidFill>
-          <a:ln w="28575" cmpd="sng">
-            <a:solidFill>
-              <a:schemeClr val="tx1"/>
-            </a:solidFill>
-            <a:prstDash val="solid"/>
-          </a:ln>
-        </p:spPr>
-        <p:style>
-          <a:lnRef idx="2">
-            <a:schemeClr val="accent1">
-              <a:shade val="50000"/>
-            </a:schemeClr>
-          </a:lnRef>
-          <a:fillRef idx="1">
-            <a:schemeClr val="accent1"/>
-          </a:fillRef>
-          <a:effectRef idx="0">
-            <a:schemeClr val="accent1"/>
-          </a:effectRef>
-          <a:fontRef idx="minor">
-            <a:schemeClr val="lt1"/>
-          </a:fontRef>
-        </p:style>
-        <p:txBody>
-          <a:bodyPr rtlCol="0" anchor="ctr"/>
-          <a:p>
-            <a:pPr algn="ctr"/>
-            <a:r>
-              <a:rPr lang="en-US">
-                <a:solidFill>
-                  <a:schemeClr val="tx1"/>
-                </a:solidFill>
-                <a:sym typeface="+mn-ea"/>
-              </a:rPr>
-              <a:t>T=17</a:t>
-            </a:r>
-            <a:endParaRPr lang="en-US">
-              <a:solidFill>
-                <a:schemeClr val="tx1"/>
-              </a:solidFill>
-              <a:sym typeface="+mn-ea"/>
-            </a:endParaRPr>
-          </a:p>
-        </p:txBody>
-      </p:sp>
-      <p:sp>
-        <p:nvSpPr>
-          <p:cNvPr id="18" name="Flowchart: Data 17"/>
-          <p:cNvSpPr/>
-          <p:nvPr/>
-        </p:nvSpPr>
-        <p:spPr>
-          <a:xfrm>
-            <a:off x="7134225" y="1111250"/>
-            <a:ext cx="3543935" cy="378460"/>
-          </a:xfrm>
-          <a:prstGeom prst="flowChartInputOutput">
-            <a:avLst/>
-          </a:prstGeom>
-          <a:solidFill>
-            <a:schemeClr val="bg1"/>
-          </a:solidFill>
-          <a:ln w="28575" cmpd="sng">
-            <a:solidFill>
-              <a:schemeClr val="tx1"/>
-            </a:solidFill>
-            <a:prstDash val="solid"/>
-          </a:ln>
-        </p:spPr>
-        <p:style>
-          <a:lnRef idx="2">
-            <a:schemeClr val="accent1">
-              <a:shade val="50000"/>
-            </a:schemeClr>
-          </a:lnRef>
-          <a:fillRef idx="1">
-            <a:schemeClr val="accent1"/>
-          </a:fillRef>
-          <a:effectRef idx="0">
-            <a:schemeClr val="accent1"/>
-          </a:effectRef>
-          <a:fontRef idx="minor">
-            <a:schemeClr val="lt1"/>
-          </a:fontRef>
-        </p:style>
-        <p:txBody>
-          <a:bodyPr rtlCol="0" anchor="ctr"/>
-          <a:p>
-            <a:pPr algn="ctr"/>
-            <a:r>
-              <a:rPr lang="en-US">
-                <a:solidFill>
-                  <a:schemeClr val="tx1"/>
-                </a:solidFill>
-                <a:sym typeface="+mn-ea"/>
-              </a:rPr>
-              <a:t>S=14</a:t>
-            </a:r>
-            <a:endParaRPr lang="en-US">
-              <a:solidFill>
-                <a:schemeClr val="tx1"/>
-              </a:solidFill>
-              <a:sym typeface="+mn-ea"/>
-            </a:endParaRPr>
-          </a:p>
-        </p:txBody>
-      </p:sp>
-      <p:cxnSp>
-        <p:nvCxnSpPr>
-          <p:cNvPr id="19" name="Straight Arrow Connector 18"/>
-          <p:cNvCxnSpPr/>
-          <p:nvPr/>
-        </p:nvCxnSpPr>
-        <p:spPr>
-          <a:xfrm flipH="1">
-            <a:off x="8886190" y="2768600"/>
-            <a:ext cx="7620" cy="263525"/>
-          </a:xfrm>
-          <a:prstGeom prst="straightConnector1">
-            <a:avLst/>
-          </a:prstGeom>
-          <a:ln>
-            <a:solidFill>
-              <a:schemeClr val="tx1"/>
-            </a:solidFill>
-            <a:tailEnd type="arrow"/>
-          </a:ln>
-        </p:spPr>
-        <p:style>
-          <a:lnRef idx="1">
-            <a:schemeClr val="accent1"/>
-          </a:lnRef>
-          <a:fillRef idx="0">
-            <a:schemeClr val="accent1"/>
-          </a:fillRef>
-          <a:effectRef idx="0">
-            <a:schemeClr val="accent1"/>
-          </a:effectRef>
-          <a:fontRef idx="minor">
-            <a:schemeClr val="tx1"/>
-          </a:fontRef>
-        </p:style>
-      </p:cxnSp>
-      <p:sp>
-        <p:nvSpPr>
-          <p:cNvPr id="22" name="Flowchart: Data 21"/>
-          <p:cNvSpPr/>
-          <p:nvPr/>
-        </p:nvSpPr>
-        <p:spPr>
-          <a:xfrm>
-            <a:off x="7108825" y="2390140"/>
-            <a:ext cx="3543935" cy="378460"/>
-          </a:xfrm>
-          <a:prstGeom prst="flowChartInputOutput">
-            <a:avLst/>
-          </a:prstGeom>
-          <a:solidFill>
-            <a:schemeClr val="bg1"/>
-          </a:solidFill>
-          <a:ln w="28575" cmpd="sng">
-            <a:solidFill>
-              <a:schemeClr val="tx1"/>
-            </a:solidFill>
-            <a:prstDash val="solid"/>
-          </a:ln>
-        </p:spPr>
-        <p:style>
-          <a:lnRef idx="2">
-            <a:schemeClr val="accent1">
-              <a:shade val="50000"/>
-            </a:schemeClr>
-          </a:lnRef>
-          <a:fillRef idx="1">
-            <a:schemeClr val="accent1"/>
-          </a:fillRef>
-          <a:effectRef idx="0">
-            <a:schemeClr val="accent1"/>
-          </a:effectRef>
-          <a:fontRef idx="minor">
-            <a:schemeClr val="lt1"/>
-          </a:fontRef>
-        </p:style>
-        <p:txBody>
-          <a:bodyPr rtlCol="0" anchor="ctr"/>
-          <a:p>
-            <a:pPr algn="ctr"/>
-            <a:r>
-              <a:rPr lang="en-US">
-                <a:solidFill>
-                  <a:schemeClr val="tx1"/>
-                </a:solidFill>
-                <a:sym typeface="+mn-ea"/>
-              </a:rPr>
-              <a:t>D=S-T</a:t>
-            </a:r>
-            <a:endParaRPr lang="en-US">
-              <a:solidFill>
-                <a:schemeClr val="tx1"/>
-              </a:solidFill>
-              <a:sym typeface="+mn-ea"/>
-            </a:endParaRPr>
-          </a:p>
-        </p:txBody>
-      </p:sp>
-      <p:sp>
-        <p:nvSpPr>
-          <p:cNvPr id="23" name="Diamond 22"/>
-          <p:cNvSpPr/>
-          <p:nvPr/>
-        </p:nvSpPr>
-        <p:spPr>
-          <a:xfrm>
-            <a:off x="8028940" y="3032125"/>
-            <a:ext cx="1703070" cy="1012825"/>
-          </a:xfrm>
-          <a:prstGeom prst="diamond">
-            <a:avLst/>
-          </a:prstGeom>
-          <a:solidFill>
-            <a:schemeClr val="bg1"/>
-          </a:solidFill>
-          <a:ln w="28575" cmpd="sng">
-            <a:solidFill>
-              <a:schemeClr val="tx1"/>
-            </a:solidFill>
-            <a:prstDash val="solid"/>
-          </a:ln>
-        </p:spPr>
-        <p:style>
-          <a:lnRef idx="2">
-            <a:schemeClr val="accent1">
-              <a:shade val="50000"/>
-            </a:schemeClr>
-          </a:lnRef>
-          <a:fillRef idx="1">
-            <a:schemeClr val="accent1"/>
-          </a:fillRef>
-          <a:effectRef idx="0">
-            <a:schemeClr val="accent1"/>
-          </a:effectRef>
-          <a:fontRef idx="minor">
-            <a:schemeClr val="lt1"/>
-          </a:fontRef>
-        </p:style>
-        <p:txBody>
-          <a:bodyPr rtlCol="0" anchor="ctr"/>
-          <a:p>
-            <a:pPr algn="ctr"/>
-            <a:r>
-              <a:rPr lang="en-US" sz="1600">
-                <a:solidFill>
-                  <a:schemeClr val="tx1"/>
-                </a:solidFill>
-                <a:sym typeface="+mn-ea"/>
-              </a:rPr>
-              <a:t>S&gt;17</a:t>
-            </a:r>
-            <a:endParaRPr lang="en-US" sz="1600">
-              <a:solidFill>
-                <a:schemeClr val="tx1"/>
-              </a:solidFill>
-              <a:sym typeface="+mn-ea"/>
-            </a:endParaRPr>
-          </a:p>
-        </p:txBody>
-      </p:sp>
-      <p:cxnSp>
-        <p:nvCxnSpPr>
-          <p:cNvPr id="24" name="Straight Arrow Connector 23"/>
-          <p:cNvCxnSpPr/>
-          <p:nvPr/>
-        </p:nvCxnSpPr>
-        <p:spPr>
-          <a:xfrm>
-            <a:off x="9670415" y="3555365"/>
-            <a:ext cx="1419860" cy="26035"/>
-          </a:xfrm>
-          <a:prstGeom prst="straightConnector1">
-            <a:avLst/>
-          </a:prstGeom>
-          <a:ln>
-            <a:solidFill>
-              <a:schemeClr val="tx1"/>
-            </a:solidFill>
-            <a:tailEnd type="arrow"/>
-          </a:ln>
-        </p:spPr>
-        <p:style>
-          <a:lnRef idx="1">
-            <a:schemeClr val="accent1"/>
-          </a:lnRef>
-          <a:fillRef idx="0">
-            <a:schemeClr val="accent1"/>
-          </a:fillRef>
-          <a:effectRef idx="0">
-            <a:schemeClr val="accent1"/>
-          </a:effectRef>
-          <a:fontRef idx="minor">
-            <a:schemeClr val="tx1"/>
-          </a:fontRef>
-        </p:style>
-      </p:cxnSp>
-      <p:cxnSp>
-        <p:nvCxnSpPr>
-          <p:cNvPr id="25" name="Straight Arrow Connector 24"/>
-          <p:cNvCxnSpPr/>
-          <p:nvPr/>
-        </p:nvCxnSpPr>
-        <p:spPr>
-          <a:xfrm flipH="1">
-            <a:off x="8883650" y="4044950"/>
-            <a:ext cx="8255" cy="804545"/>
-          </a:xfrm>
-          <a:prstGeom prst="straightConnector1">
-            <a:avLst/>
-          </a:prstGeom>
-          <a:ln>
-            <a:solidFill>
-              <a:schemeClr val="tx1"/>
-            </a:solidFill>
-            <a:tailEnd type="arrow"/>
-          </a:ln>
-        </p:spPr>
-        <p:style>
-          <a:lnRef idx="1">
-            <a:schemeClr val="accent1"/>
-          </a:lnRef>
-          <a:fillRef idx="0">
-            <a:schemeClr val="accent1"/>
-          </a:fillRef>
-          <a:effectRef idx="0">
-            <a:schemeClr val="accent1"/>
-          </a:effectRef>
-          <a:fontRef idx="minor">
-            <a:schemeClr val="tx1"/>
-          </a:fontRef>
-        </p:style>
-      </p:cxnSp>
-      <p:sp>
-        <p:nvSpPr>
-          <p:cNvPr id="26" name="Text Box 25"/>
+          <p:cNvPr id="39" name="Text Box 38"/>
           <p:cNvSpPr txBox="1"/>
           <p:nvPr/>
         </p:nvSpPr>
         <p:spPr>
           <a:xfrm>
-            <a:off x="10074910" y="3032125"/>
-            <a:ext cx="568325" cy="337185"/>
+            <a:off x="4321175" y="186690"/>
+            <a:ext cx="2671445" cy="460375"/>
           </a:xfrm>
           <a:prstGeom prst="rect">
             <a:avLst/>
@@ -4248,386 +4628,7 @@
           <a:bodyPr wrap="square" rtlCol="0">
             <a:spAutoFit/>
           </a:bodyPr>
-          <a:p>
-            <a:r>
-              <a:rPr lang="en-US" sz="1600"/>
-              <a:t>True</a:t>
-            </a:r>
-            <a:endParaRPr lang="en-US" sz="1600"/>
-          </a:p>
-        </p:txBody>
-      </p:sp>
-      <p:sp>
-        <p:nvSpPr>
-          <p:cNvPr id="27" name="Text Box 26"/>
-          <p:cNvSpPr txBox="1"/>
-          <p:nvPr/>
-        </p:nvSpPr>
-        <p:spPr>
-          <a:xfrm>
-            <a:off x="7887335" y="4051935"/>
-            <a:ext cx="692785" cy="337185"/>
-          </a:xfrm>
-          <a:prstGeom prst="rect">
-            <a:avLst/>
-          </a:prstGeom>
-          <a:noFill/>
-        </p:spPr>
-        <p:txBody>
-          <a:bodyPr wrap="square" rtlCol="0">
-            <a:spAutoFit/>
-          </a:bodyPr>
-          <a:p>
-            <a:r>
-              <a:rPr lang="en-US" sz="1600"/>
-              <a:t>False</a:t>
-            </a:r>
-            <a:endParaRPr lang="en-US" sz="1600"/>
-          </a:p>
-        </p:txBody>
-      </p:sp>
-      <p:cxnSp>
-        <p:nvCxnSpPr>
-          <p:cNvPr id="31" name="Straight Arrow Connector 30"/>
-          <p:cNvCxnSpPr/>
-          <p:nvPr/>
-        </p:nvCxnSpPr>
-        <p:spPr>
-          <a:xfrm flipH="1">
-            <a:off x="11090275" y="3555365"/>
-            <a:ext cx="635" cy="2299335"/>
-          </a:xfrm>
-          <a:prstGeom prst="straightConnector1">
-            <a:avLst/>
-          </a:prstGeom>
-          <a:ln>
-            <a:solidFill>
-              <a:schemeClr val="tx1"/>
-            </a:solidFill>
-            <a:tailEnd type="arrow"/>
-          </a:ln>
-        </p:spPr>
-        <p:style>
-          <a:lnRef idx="1">
-            <a:schemeClr val="accent1"/>
-          </a:lnRef>
-          <a:fillRef idx="0">
-            <a:schemeClr val="accent1"/>
-          </a:fillRef>
-          <a:effectRef idx="0">
-            <a:schemeClr val="accent1"/>
-          </a:effectRef>
-          <a:fontRef idx="minor">
-            <a:schemeClr val="tx1"/>
-          </a:fontRef>
-        </p:style>
-      </p:cxnSp>
-      <p:cxnSp>
-        <p:nvCxnSpPr>
-          <p:cNvPr id="32" name="Straight Arrow Connector 31"/>
-          <p:cNvCxnSpPr/>
-          <p:nvPr/>
-        </p:nvCxnSpPr>
-        <p:spPr>
-          <a:xfrm flipH="1">
-            <a:off x="10539095" y="5871210"/>
-            <a:ext cx="545465" cy="2540"/>
-          </a:xfrm>
-          <a:prstGeom prst="straightConnector1">
-            <a:avLst/>
-          </a:prstGeom>
-          <a:ln>
-            <a:solidFill>
-              <a:schemeClr val="tx1"/>
-            </a:solidFill>
-            <a:tailEnd type="arrow"/>
-          </a:ln>
-        </p:spPr>
-        <p:style>
-          <a:lnRef idx="1">
-            <a:schemeClr val="accent1"/>
-          </a:lnRef>
-          <a:fillRef idx="0">
-            <a:schemeClr val="accent1"/>
-          </a:fillRef>
-          <a:effectRef idx="0">
-            <a:schemeClr val="accent1"/>
-          </a:effectRef>
-          <a:fontRef idx="minor">
-            <a:schemeClr val="tx1"/>
-          </a:fontRef>
-        </p:style>
-      </p:cxnSp>
-      <p:sp>
-        <p:nvSpPr>
-          <p:cNvPr id="33" name="Flowchart: Process 32"/>
-          <p:cNvSpPr/>
-          <p:nvPr/>
-        </p:nvSpPr>
-        <p:spPr>
-          <a:xfrm>
-            <a:off x="7273925" y="4849495"/>
-            <a:ext cx="3263900" cy="393065"/>
-          </a:xfrm>
-          <a:prstGeom prst="flowChartProcess">
-            <a:avLst/>
-          </a:prstGeom>
-          <a:ln w="28575" cmpd="sng">
-            <a:solidFill>
-              <a:schemeClr val="tx1"/>
-            </a:solidFill>
-            <a:prstDash val="solid"/>
-          </a:ln>
-        </p:spPr>
-        <p:style>
-          <a:lnRef idx="2">
-            <a:schemeClr val="accent6"/>
-          </a:lnRef>
-          <a:fillRef idx="1">
-            <a:schemeClr val="lt1"/>
-          </a:fillRef>
-          <a:effectRef idx="0">
-            <a:schemeClr val="accent6"/>
-          </a:effectRef>
-          <a:fontRef idx="minor">
-            <a:schemeClr val="dk1"/>
-          </a:fontRef>
-        </p:style>
-        <p:txBody>
-          <a:bodyPr rtlCol="0" anchor="ctr"/>
-          <a:p>
-            <a:pPr algn="ctr"/>
-            <a:r>
-              <a:rPr lang="en-US"/>
-              <a:t>PRINT(D)</a:t>
-            </a:r>
-            <a:endParaRPr lang="en-US"/>
-          </a:p>
-        </p:txBody>
-      </p:sp>
-      <p:cxnSp>
-        <p:nvCxnSpPr>
-          <p:cNvPr id="34" name="Straight Arrow Connector 33"/>
-          <p:cNvCxnSpPr/>
-          <p:nvPr/>
-        </p:nvCxnSpPr>
-        <p:spPr>
-          <a:xfrm>
-            <a:off x="8903335" y="5271770"/>
-            <a:ext cx="19050" cy="420370"/>
-          </a:xfrm>
-          <a:prstGeom prst="straightConnector1">
-            <a:avLst/>
-          </a:prstGeom>
-          <a:ln>
-            <a:solidFill>
-              <a:schemeClr val="tx1"/>
-            </a:solidFill>
-            <a:tailEnd type="arrow"/>
-          </a:ln>
-        </p:spPr>
-        <p:style>
-          <a:lnRef idx="1">
-            <a:schemeClr val="accent1"/>
-          </a:lnRef>
-          <a:fillRef idx="0">
-            <a:schemeClr val="accent1"/>
-          </a:fillRef>
-          <a:effectRef idx="0">
-            <a:schemeClr val="accent1"/>
-          </a:effectRef>
-          <a:fontRef idx="minor">
-            <a:schemeClr val="tx1"/>
-          </a:fontRef>
-        </p:style>
-      </p:cxnSp>
-      <p:sp>
-        <p:nvSpPr>
-          <p:cNvPr id="36" name="Flowchart: Alternate Process 35"/>
-          <p:cNvSpPr/>
-          <p:nvPr/>
-        </p:nvSpPr>
-        <p:spPr>
-          <a:xfrm>
-            <a:off x="7258050" y="5692140"/>
-            <a:ext cx="3263900" cy="360680"/>
-          </a:xfrm>
-          <a:prstGeom prst="flowChartAlternateProcess">
-            <a:avLst/>
-          </a:prstGeom>
-          <a:solidFill>
-            <a:schemeClr val="bg1"/>
-          </a:solidFill>
-          <a:ln w="28575" cmpd="sng">
-            <a:solidFill>
-              <a:schemeClr val="tx1"/>
-            </a:solidFill>
-            <a:prstDash val="solid"/>
-          </a:ln>
-        </p:spPr>
-        <p:style>
-          <a:lnRef idx="2">
-            <a:schemeClr val="accent1">
-              <a:shade val="50000"/>
-            </a:schemeClr>
-          </a:lnRef>
-          <a:fillRef idx="1">
-            <a:schemeClr val="accent1"/>
-          </a:fillRef>
-          <a:effectRef idx="0">
-            <a:schemeClr val="accent1"/>
-          </a:effectRef>
-          <a:fontRef idx="minor">
-            <a:schemeClr val="lt1"/>
-          </a:fontRef>
-        </p:style>
-        <p:txBody>
-          <a:bodyPr rtlCol="0" anchor="ctr"/>
-          <a:p>
-            <a:pPr algn="ctr"/>
-            <a:r>
-              <a:rPr lang="en-US">
-                <a:solidFill>
-                  <a:schemeClr val="tx1"/>
-                </a:solidFill>
-              </a:rPr>
-              <a:t>END</a:t>
-            </a:r>
-            <a:endParaRPr lang="en-US">
-              <a:solidFill>
-                <a:schemeClr val="tx1"/>
-              </a:solidFill>
-            </a:endParaRPr>
-          </a:p>
-        </p:txBody>
-      </p:sp>
-      <p:sp>
-        <p:nvSpPr>
-          <p:cNvPr id="37" name="Flowchart: Process 36"/>
-          <p:cNvSpPr/>
-          <p:nvPr/>
-        </p:nvSpPr>
-        <p:spPr>
-          <a:xfrm>
-            <a:off x="10288905" y="2570480"/>
-            <a:ext cx="1042670" cy="393065"/>
-          </a:xfrm>
-          <a:prstGeom prst="flowChartProcess">
-            <a:avLst/>
-          </a:prstGeom>
-          <a:ln w="28575" cmpd="sng">
-            <a:solidFill>
-              <a:schemeClr val="tx1"/>
-            </a:solidFill>
-            <a:prstDash val="solid"/>
-          </a:ln>
-        </p:spPr>
-        <p:style>
-          <a:lnRef idx="2">
-            <a:schemeClr val="accent6"/>
-          </a:lnRef>
-          <a:fillRef idx="1">
-            <a:schemeClr val="lt1"/>
-          </a:fillRef>
-          <a:effectRef idx="0">
-            <a:schemeClr val="accent6"/>
-          </a:effectRef>
-          <a:fontRef idx="minor">
-            <a:schemeClr val="dk1"/>
-          </a:fontRef>
-        </p:style>
-        <p:txBody>
-          <a:bodyPr rtlCol="0" anchor="ctr"/>
-          <a:p>
-            <a:pPr algn="ctr"/>
-            <a:r>
-              <a:rPr lang="en-US" sz="1400"/>
-              <a:t>PRINT(D*2)</a:t>
-            </a:r>
-            <a:endParaRPr lang="en-US" sz="1400"/>
-          </a:p>
-        </p:txBody>
-      </p:sp>
-      <p:sp>
-        <p:nvSpPr>
-          <p:cNvPr id="38" name="Flowchart: Alternate Process 37"/>
-          <p:cNvSpPr/>
-          <p:nvPr/>
-        </p:nvSpPr>
-        <p:spPr>
-          <a:xfrm>
-            <a:off x="7258050" y="394970"/>
-            <a:ext cx="3589655" cy="452755"/>
-          </a:xfrm>
-          <a:prstGeom prst="flowChartAlternateProcess">
-            <a:avLst/>
-          </a:prstGeom>
-          <a:solidFill>
-            <a:schemeClr val="bg1"/>
-          </a:solidFill>
-          <a:ln w="28575" cmpd="sng">
-            <a:solidFill>
-              <a:schemeClr val="tx1"/>
-            </a:solidFill>
-            <a:prstDash val="solid"/>
-          </a:ln>
-        </p:spPr>
-        <p:style>
-          <a:lnRef idx="2">
-            <a:schemeClr val="accent1">
-              <a:shade val="50000"/>
-            </a:schemeClr>
-          </a:lnRef>
-          <a:fillRef idx="1">
-            <a:schemeClr val="accent1"/>
-          </a:fillRef>
-          <a:effectRef idx="0">
-            <a:schemeClr val="accent1"/>
-          </a:effectRef>
-          <a:fontRef idx="minor">
-            <a:schemeClr val="lt1"/>
-          </a:fontRef>
-        </p:style>
-        <p:txBody>
-          <a:bodyPr rtlCol="0" anchor="ctr"/>
-          <a:p>
-            <a:pPr algn="ctr"/>
-            <a:r>
-              <a:rPr lang="en-US">
-                <a:solidFill>
-                  <a:schemeClr val="tx1"/>
-                </a:solidFill>
-              </a:rPr>
-              <a:t>START</a:t>
-            </a:r>
-            <a:endParaRPr lang="en-US">
-              <a:solidFill>
-                <a:schemeClr val="tx1"/>
-              </a:solidFill>
-            </a:endParaRPr>
-          </a:p>
-        </p:txBody>
-      </p:sp>
-      <p:sp>
-        <p:nvSpPr>
-          <p:cNvPr id="39" name="Text Box 38"/>
-          <p:cNvSpPr txBox="1"/>
-          <p:nvPr/>
-        </p:nvSpPr>
-        <p:spPr>
-          <a:xfrm>
-            <a:off x="4321175" y="186690"/>
-            <a:ext cx="2671445" cy="460375"/>
-          </a:xfrm>
-          <a:prstGeom prst="rect">
-            <a:avLst/>
-          </a:prstGeom>
-          <a:noFill/>
-        </p:spPr>
-        <p:txBody>
-          <a:bodyPr wrap="square" rtlCol="0">
-            <a:spAutoFit/>
-          </a:bodyPr>
+          <a:lstStyle/>
           <a:p>
             <a:r>
               <a:rPr lang="en-US" sz="2400" b="1" u="sng">
@@ -4661,19 +4662,6 @@
               </a:rPr>
               <a:t>1</a:t>
             </a:r>
-            <a:endParaRPr lang="en-US" sz="2400">
-              <a:ln/>
-              <a:solidFill>
-                <a:schemeClr val="tx1"/>
-              </a:solidFill>
-              <a:effectLst>
-                <a:outerShdw blurRad="38100" dist="19050" dir="2700000" algn="tl" rotWithShape="0">
-                  <a:schemeClr val="dk1">
-                    <a:alpha val="40000"/>
-                  </a:schemeClr>
-                </a:outerShdw>
-              </a:effectLst>
-            </a:endParaRPr>
           </a:p>
         </p:txBody>
       </p:sp>
@@ -4694,7 +4682,14 @@
         <p:cNvGrpSpPr/>
         <p:nvPr/>
       </p:nvGrpSpPr>
-      <p:grpSpPr/>
+      <p:grpSpPr>
+        <a:xfrm>
+          <a:off x="0" y="0"/>
+          <a:ext cx="0" cy="0"/>
+          <a:chOff x="0" y="0"/>
+          <a:chExt cx="0" cy="0"/>
+        </a:xfrm>
+      </p:grpSpPr>
       <p:sp>
         <p:nvSpPr>
           <p:cNvPr id="12" name="Flowchart: Alternate Process 11"/>
@@ -4710,7 +4705,9 @@
             <a:avLst/>
           </a:prstGeom>
           <a:solidFill>
-            <a:schemeClr val="bg1"/>
+            <a:schemeClr val="bg1">
+              <a:lumMod val="85000"/>
+            </a:schemeClr>
           </a:solidFill>
           <a:ln w="28575" cmpd="sng">
             <a:solidFill>
@@ -4737,21 +4734,17 @@
         </p:style>
         <p:txBody>
           <a:bodyPr rtlCol="0" anchor="ctr"/>
+          <a:lstStyle/>
           <a:p>
             <a:pPr algn="ctr"/>
             <a:r>
-              <a:rPr lang="en-US">
+              <a:rPr lang="en-US" dirty="0">
                 <a:solidFill>
                   <a:schemeClr val="tx1"/>
                 </a:solidFill>
               </a:rPr>
               <a:t>START</a:t>
             </a:r>
-            <a:endParaRPr lang="en-US">
-              <a:solidFill>
-                <a:schemeClr val="tx1"/>
-              </a:solidFill>
-            </a:endParaRPr>
           </a:p>
         </p:txBody>
       </p:sp>
@@ -4914,7 +4907,10 @@
             <a:avLst/>
           </a:prstGeom>
           <a:solidFill>
-            <a:schemeClr val="bg1"/>
+            <a:schemeClr val="accent1">
+              <a:lumMod val="20000"/>
+              <a:lumOff val="80000"/>
+            </a:schemeClr>
           </a:solidFill>
           <a:ln w="28575" cmpd="sng">
             <a:solidFill>
@@ -4941,10 +4937,11 @@
         </p:style>
         <p:txBody>
           <a:bodyPr rtlCol="0" anchor="ctr"/>
+          <a:lstStyle/>
           <a:p>
             <a:pPr algn="ctr"/>
             <a:r>
-              <a:rPr lang="en-US">
+              <a:rPr lang="en-US" dirty="0">
                 <a:solidFill>
                   <a:schemeClr val="tx1"/>
                 </a:solidFill>
@@ -4952,12 +4949,6 @@
               </a:rPr>
               <a:t>B=2</a:t>
             </a:r>
-            <a:endParaRPr lang="en-US">
-              <a:solidFill>
-                <a:schemeClr val="tx1"/>
-              </a:solidFill>
-              <a:sym typeface="+mn-ea"/>
-            </a:endParaRPr>
           </a:p>
         </p:txBody>
       </p:sp>
@@ -4976,7 +4967,10 @@
             <a:avLst/>
           </a:prstGeom>
           <a:solidFill>
-            <a:schemeClr val="bg1"/>
+            <a:schemeClr val="accent1">
+              <a:lumMod val="20000"/>
+              <a:lumOff val="80000"/>
+            </a:schemeClr>
           </a:solidFill>
           <a:ln w="28575" cmpd="sng">
             <a:solidFill>
@@ -5003,6 +4997,7 @@
         </p:style>
         <p:txBody>
           <a:bodyPr rtlCol="0" anchor="ctr"/>
+          <a:lstStyle/>
           <a:p>
             <a:pPr algn="ctr"/>
             <a:r>
@@ -5014,12 +5009,6 @@
               </a:rPr>
               <a:t>A=1</a:t>
             </a:r>
-            <a:endParaRPr lang="en-US">
-              <a:solidFill>
-                <a:schemeClr val="tx1"/>
-              </a:solidFill>
-              <a:sym typeface="+mn-ea"/>
-            </a:endParaRPr>
           </a:p>
         </p:txBody>
       </p:sp>
@@ -5146,7 +5135,10 @@
             <a:avLst/>
           </a:prstGeom>
           <a:solidFill>
-            <a:schemeClr val="bg1"/>
+            <a:schemeClr val="accent1">
+              <a:lumMod val="20000"/>
+              <a:lumOff val="80000"/>
+            </a:schemeClr>
           </a:solidFill>
           <a:ln w="28575" cmpd="sng">
             <a:solidFill>
@@ -5173,6 +5165,7 @@
         </p:style>
         <p:txBody>
           <a:bodyPr rtlCol="0" anchor="ctr"/>
+          <a:lstStyle/>
           <a:p>
             <a:pPr algn="ctr"/>
             <a:r>
@@ -5184,12 +5177,6 @@
               </a:rPr>
               <a:t>D=A+B+C</a:t>
             </a:r>
-            <a:endParaRPr lang="en-US">
-              <a:solidFill>
-                <a:schemeClr val="tx1"/>
-              </a:solidFill>
-              <a:sym typeface="+mn-ea"/>
-            </a:endParaRPr>
           </a:p>
         </p:txBody>
       </p:sp>
@@ -5208,7 +5195,10 @@
             <a:avLst/>
           </a:prstGeom>
           <a:solidFill>
-            <a:schemeClr val="bg1"/>
+            <a:schemeClr val="accent1">
+              <a:lumMod val="20000"/>
+              <a:lumOff val="80000"/>
+            </a:schemeClr>
           </a:solidFill>
           <a:ln w="28575" cmpd="sng">
             <a:solidFill>
@@ -5235,6 +5225,7 @@
         </p:style>
         <p:txBody>
           <a:bodyPr rtlCol="0" anchor="ctr"/>
+          <a:lstStyle/>
           <a:p>
             <a:pPr algn="ctr"/>
             <a:r>
@@ -5246,12 +5237,6 @@
               </a:rPr>
               <a:t>C=1</a:t>
             </a:r>
-            <a:endParaRPr lang="en-US">
-              <a:solidFill>
-                <a:schemeClr val="tx1"/>
-              </a:solidFill>
-              <a:sym typeface="+mn-ea"/>
-            </a:endParaRPr>
           </a:p>
         </p:txBody>
       </p:sp>
@@ -5270,7 +5255,10 @@
             <a:avLst/>
           </a:prstGeom>
           <a:solidFill>
-            <a:schemeClr val="bg1"/>
+            <a:schemeClr val="accent2">
+              <a:lumMod val="40000"/>
+              <a:lumOff val="60000"/>
+            </a:schemeClr>
           </a:solidFill>
           <a:ln w="28575" cmpd="sng">
             <a:solidFill>
@@ -5297,6 +5285,7 @@
         </p:style>
         <p:txBody>
           <a:bodyPr rtlCol="0" anchor="ctr"/>
+          <a:lstStyle/>
           <a:p>
             <a:pPr algn="ctr"/>
             <a:r>
@@ -5308,12 +5297,6 @@
               </a:rPr>
               <a:t>a!=b!=c</a:t>
             </a:r>
-            <a:endParaRPr lang="en-US" sz="1600">
-              <a:solidFill>
-                <a:schemeClr val="tx1"/>
-              </a:solidFill>
-              <a:sym typeface="+mn-ea"/>
-            </a:endParaRPr>
           </a:p>
         </p:txBody>
       </p:sp>
@@ -5411,12 +5394,12 @@
           <a:bodyPr wrap="square" rtlCol="0">
             <a:spAutoFit/>
           </a:bodyPr>
+          <a:lstStyle/>
           <a:p>
             <a:r>
               <a:rPr lang="en-US" sz="1600"/>
               <a:t>True</a:t>
             </a:r>
-            <a:endParaRPr lang="en-US" sz="1600"/>
           </a:p>
         </p:txBody>
       </p:sp>
@@ -5440,12 +5423,12 @@
           <a:bodyPr wrap="square" rtlCol="0">
             <a:spAutoFit/>
           </a:bodyPr>
+          <a:lstStyle/>
           <a:p>
             <a:r>
               <a:rPr lang="en-US" sz="1600"/>
               <a:t>False</a:t>
             </a:r>
-            <a:endParaRPr lang="en-US" sz="1600"/>
           </a:p>
         </p:txBody>
       </p:sp>
@@ -5463,6 +5446,12 @@
           <a:prstGeom prst="flowChartProcess">
             <a:avLst/>
           </a:prstGeom>
+          <a:solidFill>
+            <a:schemeClr val="accent6">
+              <a:lumMod val="20000"/>
+              <a:lumOff val="80000"/>
+            </a:schemeClr>
+          </a:solidFill>
           <a:ln w="28575" cmpd="sng">
             <a:solidFill>
               <a:schemeClr val="tx1"/>
@@ -5486,13 +5475,13 @@
         </p:style>
         <p:txBody>
           <a:bodyPr rtlCol="0" anchor="ctr"/>
+          <a:lstStyle/>
           <a:p>
             <a:pPr algn="ctr"/>
             <a:r>
-              <a:rPr lang="en-US"/>
+              <a:rPr lang="en-US" dirty="0"/>
               <a:t>PRINT(H)</a:t>
             </a:r>
-            <a:endParaRPr lang="en-US"/>
           </a:p>
         </p:txBody>
       </p:sp>
@@ -5511,7 +5500,9 @@
             <a:avLst/>
           </a:prstGeom>
           <a:solidFill>
-            <a:schemeClr val="bg1"/>
+            <a:schemeClr val="bg1">
+              <a:lumMod val="85000"/>
+            </a:schemeClr>
           </a:solidFill>
           <a:ln w="28575" cmpd="sng">
             <a:solidFill>
@@ -5538,6 +5529,7 @@
         </p:style>
         <p:txBody>
           <a:bodyPr rtlCol="0" anchor="ctr"/>
+          <a:lstStyle/>
           <a:p>
             <a:pPr algn="ctr"/>
             <a:r>
@@ -5548,11 +5540,6 @@
               </a:rPr>
               <a:t>END</a:t>
             </a:r>
-            <a:endParaRPr lang="en-US">
-              <a:solidFill>
-                <a:schemeClr val="tx1"/>
-              </a:solidFill>
-            </a:endParaRPr>
           </a:p>
         </p:txBody>
       </p:sp>
@@ -5645,7 +5632,9 @@
             <a:avLst/>
           </a:prstGeom>
           <a:solidFill>
-            <a:schemeClr val="bg1"/>
+            <a:schemeClr val="bg1">
+              <a:lumMod val="85000"/>
+            </a:schemeClr>
           </a:solidFill>
           <a:ln w="28575" cmpd="sng">
             <a:solidFill>
@@ -5672,6 +5661,7 @@
         </p:style>
         <p:txBody>
           <a:bodyPr rtlCol="0" anchor="ctr"/>
+          <a:lstStyle/>
           <a:p>
             <a:pPr algn="ctr"/>
             <a:r>
@@ -5682,11 +5672,6 @@
               </a:rPr>
               <a:t>START</a:t>
             </a:r>
-            <a:endParaRPr lang="en-US">
-              <a:solidFill>
-                <a:schemeClr val="tx1"/>
-              </a:solidFill>
-            </a:endParaRPr>
           </a:p>
         </p:txBody>
       </p:sp>
@@ -5849,7 +5834,10 @@
             <a:avLst/>
           </a:prstGeom>
           <a:solidFill>
-            <a:schemeClr val="bg1"/>
+            <a:schemeClr val="accent1">
+              <a:lumMod val="20000"/>
+              <a:lumOff val="80000"/>
+            </a:schemeClr>
           </a:solidFill>
           <a:ln w="28575" cmpd="sng">
             <a:solidFill>
@@ -5876,6 +5864,7 @@
         </p:style>
         <p:txBody>
           <a:bodyPr rtlCol="0" anchor="ctr"/>
+          <a:lstStyle/>
           <a:p>
             <a:pPr algn="ctr"/>
             <a:r>
@@ -5887,12 +5876,6 @@
               </a:rPr>
               <a:t>B=3</a:t>
             </a:r>
-            <a:endParaRPr lang="en-US">
-              <a:solidFill>
-                <a:schemeClr val="tx1"/>
-              </a:solidFill>
-              <a:sym typeface="+mn-ea"/>
-            </a:endParaRPr>
           </a:p>
         </p:txBody>
       </p:sp>
@@ -5911,7 +5894,10 @@
             <a:avLst/>
           </a:prstGeom>
           <a:solidFill>
-            <a:schemeClr val="bg1"/>
+            <a:schemeClr val="accent1">
+              <a:lumMod val="20000"/>
+              <a:lumOff val="80000"/>
+            </a:schemeClr>
           </a:solidFill>
           <a:ln w="28575" cmpd="sng">
             <a:solidFill>
@@ -5938,6 +5924,7 @@
         </p:style>
         <p:txBody>
           <a:bodyPr rtlCol="0" anchor="ctr"/>
+          <a:lstStyle/>
           <a:p>
             <a:pPr algn="ctr"/>
             <a:r>
@@ -5949,12 +5936,6 @@
               </a:rPr>
               <a:t>A=3</a:t>
             </a:r>
-            <a:endParaRPr lang="en-US">
-              <a:solidFill>
-                <a:schemeClr val="tx1"/>
-              </a:solidFill>
-              <a:sym typeface="+mn-ea"/>
-            </a:endParaRPr>
           </a:p>
         </p:txBody>
       </p:sp>
@@ -6081,7 +6062,10 @@
             <a:avLst/>
           </a:prstGeom>
           <a:solidFill>
-            <a:schemeClr val="bg1"/>
+            <a:schemeClr val="accent1">
+              <a:lumMod val="20000"/>
+              <a:lumOff val="80000"/>
+            </a:schemeClr>
           </a:solidFill>
           <a:ln w="28575" cmpd="sng">
             <a:solidFill>
@@ -6108,10 +6092,11 @@
         </p:style>
         <p:txBody>
           <a:bodyPr rtlCol="0" anchor="ctr"/>
+          <a:lstStyle/>
           <a:p>
             <a:pPr algn="ctr"/>
             <a:r>
-              <a:rPr lang="en-US">
+              <a:rPr lang="en-US" dirty="0">
                 <a:solidFill>
                   <a:schemeClr val="tx1"/>
                 </a:solidFill>
@@ -6119,12 +6104,6 @@
               </a:rPr>
               <a:t>D=A+B+C</a:t>
             </a:r>
-            <a:endParaRPr lang="en-US">
-              <a:solidFill>
-                <a:schemeClr val="tx1"/>
-              </a:solidFill>
-              <a:sym typeface="+mn-ea"/>
-            </a:endParaRPr>
           </a:p>
         </p:txBody>
       </p:sp>
@@ -6143,7 +6122,10 @@
             <a:avLst/>
           </a:prstGeom>
           <a:solidFill>
-            <a:schemeClr val="bg1"/>
+            <a:schemeClr val="accent1">
+              <a:lumMod val="20000"/>
+              <a:lumOff val="80000"/>
+            </a:schemeClr>
           </a:solidFill>
           <a:ln w="28575" cmpd="sng">
             <a:solidFill>
@@ -6170,6 +6152,7 @@
         </p:style>
         <p:txBody>
           <a:bodyPr rtlCol="0" anchor="ctr"/>
+          <a:lstStyle/>
           <a:p>
             <a:pPr algn="ctr"/>
             <a:r>
@@ -6181,12 +6164,6 @@
               </a:rPr>
               <a:t>C=3</a:t>
             </a:r>
-            <a:endParaRPr lang="en-US">
-              <a:solidFill>
-                <a:schemeClr val="tx1"/>
-              </a:solidFill>
-              <a:sym typeface="+mn-ea"/>
-            </a:endParaRPr>
           </a:p>
         </p:txBody>
       </p:sp>
@@ -6205,7 +6182,10 @@
             <a:avLst/>
           </a:prstGeom>
           <a:solidFill>
-            <a:schemeClr val="bg1"/>
+            <a:schemeClr val="accent2">
+              <a:lumMod val="40000"/>
+              <a:lumOff val="60000"/>
+            </a:schemeClr>
           </a:solidFill>
           <a:ln w="28575" cmpd="sng">
             <a:solidFill>
@@ -6232,6 +6212,7 @@
         </p:style>
         <p:txBody>
           <a:bodyPr rtlCol="0" anchor="ctr"/>
+          <a:lstStyle/>
           <a:p>
             <a:pPr algn="ctr"/>
             <a:r>
@@ -6243,12 +6224,6 @@
               </a:rPr>
               <a:t>a==b==c</a:t>
             </a:r>
-            <a:endParaRPr lang="en-US" sz="1500">
-              <a:solidFill>
-                <a:schemeClr val="tx1"/>
-              </a:solidFill>
-              <a:sym typeface="+mn-ea"/>
-            </a:endParaRPr>
           </a:p>
         </p:txBody>
       </p:sp>
@@ -6308,12 +6283,12 @@
           <a:bodyPr wrap="square" rtlCol="0">
             <a:spAutoFit/>
           </a:bodyPr>
+          <a:lstStyle/>
           <a:p>
             <a:r>
               <a:rPr lang="en-US" sz="1600"/>
               <a:t>True</a:t>
             </a:r>
-            <a:endParaRPr lang="en-US" sz="1600"/>
           </a:p>
         </p:txBody>
       </p:sp>
@@ -6337,12 +6312,12 @@
           <a:bodyPr wrap="square" rtlCol="0">
             <a:spAutoFit/>
           </a:bodyPr>
+          <a:lstStyle/>
           <a:p>
             <a:r>
               <a:rPr lang="en-US" sz="1600"/>
               <a:t>False</a:t>
             </a:r>
-            <a:endParaRPr lang="en-US" sz="1600"/>
           </a:p>
         </p:txBody>
       </p:sp>
@@ -6360,6 +6335,12 @@
           <a:prstGeom prst="flowChartProcess">
             <a:avLst/>
           </a:prstGeom>
+          <a:solidFill>
+            <a:schemeClr val="accent6">
+              <a:lumMod val="20000"/>
+              <a:lumOff val="80000"/>
+            </a:schemeClr>
+          </a:solidFill>
           <a:ln w="28575" cmpd="sng">
             <a:solidFill>
               <a:schemeClr val="tx1"/>
@@ -6383,13 +6364,13 @@
         </p:style>
         <p:txBody>
           <a:bodyPr rtlCol="0" anchor="ctr"/>
+          <a:lstStyle/>
           <a:p>
             <a:pPr algn="ctr"/>
             <a:r>
-              <a:rPr lang="en-US"/>
+              <a:rPr lang="en-US" dirty="0"/>
               <a:t>PRINT(D)</a:t>
             </a:r>
-            <a:endParaRPr lang="en-US"/>
           </a:p>
         </p:txBody>
       </p:sp>
@@ -6446,7 +6427,9 @@
             <a:avLst/>
           </a:prstGeom>
           <a:solidFill>
-            <a:schemeClr val="bg1"/>
+            <a:schemeClr val="bg1">
+              <a:lumMod val="85000"/>
+            </a:schemeClr>
           </a:solidFill>
           <a:ln w="28575" cmpd="sng">
             <a:solidFill>
@@ -6473,6 +6456,7 @@
         </p:style>
         <p:txBody>
           <a:bodyPr rtlCol="0" anchor="ctr"/>
+          <a:lstStyle/>
           <a:p>
             <a:pPr algn="ctr"/>
             <a:r>
@@ -6483,11 +6467,6 @@
               </a:rPr>
               <a:t>END</a:t>
             </a:r>
-            <a:endParaRPr lang="en-US">
-              <a:solidFill>
-                <a:schemeClr val="tx1"/>
-              </a:solidFill>
-            </a:endParaRPr>
           </a:p>
         </p:txBody>
       </p:sp>
@@ -6616,7 +6595,10 @@
             <a:avLst/>
           </a:prstGeom>
           <a:solidFill>
-            <a:schemeClr val="bg1"/>
+            <a:schemeClr val="accent1">
+              <a:lumMod val="20000"/>
+              <a:lumOff val="80000"/>
+            </a:schemeClr>
           </a:solidFill>
           <a:ln w="28575" cmpd="sng">
             <a:solidFill>
@@ -6643,6 +6625,7 @@
         </p:style>
         <p:txBody>
           <a:bodyPr rtlCol="0" anchor="ctr"/>
+          <a:lstStyle/>
           <a:p>
             <a:pPr algn="ctr"/>
             <a:r>
@@ -6654,12 +6637,6 @@
               </a:rPr>
               <a:t>H=D*3</a:t>
             </a:r>
-            <a:endParaRPr lang="en-US">
-              <a:solidFill>
-                <a:schemeClr val="tx1"/>
-              </a:solidFill>
-              <a:sym typeface="+mn-ea"/>
-            </a:endParaRPr>
           </a:p>
         </p:txBody>
       </p:sp>
@@ -6757,6 +6734,7 @@
           <a:bodyPr wrap="square" rtlCol="0">
             <a:spAutoFit/>
           </a:bodyPr>
+          <a:lstStyle/>
           <a:p>
             <a:r>
               <a:rPr lang="en-US" sz="2800" b="1" u="sng">
@@ -6790,19 +6768,6 @@
               </a:rPr>
               <a:t>2</a:t>
             </a:r>
-            <a:endParaRPr lang="en-US" b="1" u="sng">
-              <a:ln/>
-              <a:solidFill>
-                <a:schemeClr val="tx1"/>
-              </a:solidFill>
-              <a:effectLst>
-                <a:outerShdw blurRad="38100" dist="19050" dir="2700000" algn="tl" rotWithShape="0">
-                  <a:schemeClr val="dk1">
-                    <a:alpha val="40000"/>
-                  </a:schemeClr>
-                </a:outerShdw>
-              </a:effectLst>
-            </a:endParaRPr>
           </a:p>
         </p:txBody>
       </p:sp>
@@ -6811,6 +6776,13 @@
   <p:clrMapOvr>
     <a:masterClrMapping/>
   </p:clrMapOvr>
+  <p:timing>
+    <p:tnLst>
+      <p:par>
+        <p:cTn id="1" dur="indefinite" restart="never" nodeType="tmRoot"/>
+      </p:par>
+    </p:tnLst>
+  </p:timing>
 </p:sld>
 </file>
 
@@ -6823,7 +6795,14 @@
         <p:cNvGrpSpPr/>
         <p:nvPr/>
       </p:nvGrpSpPr>
-      <p:grpSpPr/>
+      <p:grpSpPr>
+        <a:xfrm>
+          <a:off x="0" y="0"/>
+          <a:ext cx="0" cy="0"/>
+          <a:chOff x="0" y="0"/>
+          <a:chExt cx="0" cy="0"/>
+        </a:xfrm>
+      </p:grpSpPr>
       <p:sp>
         <p:nvSpPr>
           <p:cNvPr id="12" name="Flowchart: Alternate Process 11"/>
@@ -6839,7 +6818,7 @@
             <a:avLst/>
           </a:prstGeom>
           <a:solidFill>
-            <a:schemeClr val="bg1"/>
+            <a:schemeClr val="bg2"/>
           </a:solidFill>
           <a:ln w="28575" cmpd="sng">
             <a:solidFill>
@@ -6866,6 +6845,7 @@
         </p:style>
         <p:txBody>
           <a:bodyPr rtlCol="0" anchor="ctr"/>
+          <a:lstStyle/>
           <a:p>
             <a:pPr algn="ctr"/>
             <a:r>
@@ -6876,11 +6856,6 @@
               </a:rPr>
               <a:t>START</a:t>
             </a:r>
-            <a:endParaRPr lang="en-US">
-              <a:solidFill>
-                <a:schemeClr val="tx1"/>
-              </a:solidFill>
-            </a:endParaRPr>
           </a:p>
         </p:txBody>
       </p:sp>
@@ -7079,7 +7054,10 @@
             <a:avLst/>
           </a:prstGeom>
           <a:solidFill>
-            <a:schemeClr val="bg1"/>
+            <a:schemeClr val="accent1">
+              <a:lumMod val="20000"/>
+              <a:lumOff val="80000"/>
+            </a:schemeClr>
           </a:solidFill>
           <a:ln w="28575" cmpd="sng">
             <a:solidFill>
@@ -7106,6 +7084,7 @@
         </p:style>
         <p:txBody>
           <a:bodyPr rtlCol="0" anchor="ctr"/>
+          <a:lstStyle/>
           <a:p>
             <a:pPr algn="ctr"/>
             <a:r>
@@ -7117,12 +7096,6 @@
               </a:rPr>
               <a:t>X=2</a:t>
             </a:r>
-            <a:endParaRPr lang="en-US">
-              <a:solidFill>
-                <a:schemeClr val="tx1"/>
-              </a:solidFill>
-              <a:sym typeface="+mn-ea"/>
-            </a:endParaRPr>
           </a:p>
         </p:txBody>
       </p:sp>
@@ -7141,7 +7114,10 @@
             <a:avLst/>
           </a:prstGeom>
           <a:solidFill>
-            <a:schemeClr val="bg1"/>
+            <a:schemeClr val="accent1">
+              <a:lumMod val="20000"/>
+              <a:lumOff val="80000"/>
+            </a:schemeClr>
           </a:solidFill>
           <a:ln w="28575" cmpd="sng">
             <a:solidFill>
@@ -7168,6 +7144,7 @@
         </p:style>
         <p:txBody>
           <a:bodyPr rtlCol="0" anchor="ctr"/>
+          <a:lstStyle/>
           <a:p>
             <a:pPr algn="ctr"/>
             <a:r>
@@ -7179,12 +7156,6 @@
               </a:rPr>
               <a:t>T=7</a:t>
             </a:r>
-            <a:endParaRPr lang="en-US">
-              <a:solidFill>
-                <a:schemeClr val="tx1"/>
-              </a:solidFill>
-              <a:sym typeface="+mn-ea"/>
-            </a:endParaRPr>
           </a:p>
         </p:txBody>
       </p:sp>
@@ -7202,6 +7173,12 @@
           <a:prstGeom prst="flowChartProcess">
             <a:avLst/>
           </a:prstGeom>
+          <a:solidFill>
+            <a:schemeClr val="accent6">
+              <a:lumMod val="20000"/>
+              <a:lumOff val="80000"/>
+            </a:schemeClr>
+          </a:solidFill>
           <a:ln w="28575" cmpd="sng">
             <a:solidFill>
               <a:schemeClr val="tx1"/>
@@ -7225,13 +7202,13 @@
         </p:style>
         <p:txBody>
           <a:bodyPr rtlCol="0" anchor="ctr"/>
+          <a:lstStyle/>
           <a:p>
             <a:pPr algn="ctr"/>
             <a:r>
               <a:rPr lang="en-US"/>
               <a:t>PRINT</a:t>
             </a:r>
-            <a:endParaRPr lang="en-US"/>
           </a:p>
         </p:txBody>
       </p:sp>
@@ -7249,6 +7226,12 @@
           <a:prstGeom prst="flowChartProcess">
             <a:avLst/>
           </a:prstGeom>
+          <a:solidFill>
+            <a:schemeClr val="accent6">
+              <a:lumMod val="20000"/>
+              <a:lumOff val="80000"/>
+            </a:schemeClr>
+          </a:solidFill>
           <a:ln w="28575" cmpd="sng">
             <a:solidFill>
               <a:schemeClr val="tx1"/>
@@ -7272,13 +7255,13 @@
         </p:style>
         <p:txBody>
           <a:bodyPr rtlCol="0" anchor="ctr"/>
+          <a:lstStyle/>
           <a:p>
             <a:pPr algn="ctr"/>
             <a:r>
               <a:rPr lang="en-US"/>
               <a:t>TRUE</a:t>
             </a:r>
-            <a:endParaRPr lang="en-US"/>
           </a:p>
         </p:txBody>
       </p:sp>
@@ -7297,7 +7280,10 @@
             <a:avLst/>
           </a:prstGeom>
           <a:solidFill>
-            <a:schemeClr val="bg1"/>
+            <a:schemeClr val="accent2">
+              <a:lumMod val="40000"/>
+              <a:lumOff val="60000"/>
+            </a:schemeClr>
           </a:solidFill>
           <a:ln w="28575" cmpd="sng">
             <a:solidFill>
@@ -7324,10 +7310,11 @@
         </p:style>
         <p:txBody>
           <a:bodyPr rtlCol="0" anchor="ctr"/>
+          <a:lstStyle/>
           <a:p>
             <a:pPr algn="ctr"/>
             <a:r>
-              <a:rPr lang="en-US" sz="1600">
+              <a:rPr lang="en-US" sz="1600" dirty="0">
                 <a:solidFill>
                   <a:schemeClr val="tx1"/>
                 </a:solidFill>
@@ -7335,12 +7322,6 @@
               </a:rPr>
               <a:t>t!=x==5</a:t>
             </a:r>
-            <a:endParaRPr lang="en-US" sz="1600">
-              <a:solidFill>
-                <a:schemeClr val="tx1"/>
-              </a:solidFill>
-              <a:sym typeface="+mn-ea"/>
-            </a:endParaRPr>
           </a:p>
         </p:txBody>
       </p:sp>
@@ -7694,7 +7675,10 @@
             <a:avLst/>
           </a:prstGeom>
           <a:solidFill>
-            <a:schemeClr val="bg1"/>
+            <a:schemeClr val="accent2">
+              <a:lumMod val="40000"/>
+              <a:lumOff val="60000"/>
+            </a:schemeClr>
           </a:solidFill>
           <a:ln w="28575" cmpd="sng">
             <a:solidFill>
@@ -7721,6 +7705,7 @@
         </p:style>
         <p:txBody>
           <a:bodyPr rtlCol="0" anchor="ctr"/>
+          <a:lstStyle/>
           <a:p>
             <a:pPr algn="ctr"/>
             <a:r>
@@ -7731,11 +7716,6 @@
               </a:rPr>
               <a:t>t+x==5</a:t>
             </a:r>
-            <a:endParaRPr lang="en-US" sz="1600">
-              <a:solidFill>
-                <a:schemeClr val="tx1"/>
-              </a:solidFill>
-            </a:endParaRPr>
           </a:p>
         </p:txBody>
       </p:sp>
@@ -7754,7 +7734,10 @@
             <a:avLst/>
           </a:prstGeom>
           <a:solidFill>
-            <a:schemeClr val="bg1"/>
+            <a:schemeClr val="accent2">
+              <a:lumMod val="40000"/>
+              <a:lumOff val="60000"/>
+            </a:schemeClr>
           </a:solidFill>
           <a:ln w="28575" cmpd="sng">
             <a:solidFill>
@@ -7781,21 +7764,17 @@
         </p:style>
         <p:txBody>
           <a:bodyPr rtlCol="0" anchor="ctr"/>
+          <a:lstStyle/>
           <a:p>
             <a:pPr algn="ctr"/>
             <a:r>
-              <a:rPr lang="en-US" sz="1600">
+              <a:rPr lang="en-US" sz="1600" dirty="0">
                 <a:solidFill>
                   <a:schemeClr val="tx1"/>
                 </a:solidFill>
               </a:rPr>
               <a:t>t-x==5</a:t>
             </a:r>
-            <a:endParaRPr lang="en-US" sz="1600">
-              <a:solidFill>
-                <a:schemeClr val="tx1"/>
-              </a:solidFill>
-            </a:endParaRPr>
           </a:p>
         </p:txBody>
       </p:sp>
@@ -7819,12 +7798,12 @@
           <a:bodyPr wrap="square" rtlCol="0">
             <a:spAutoFit/>
           </a:bodyPr>
+          <a:lstStyle/>
           <a:p>
             <a:r>
               <a:rPr lang="en-US" sz="1600"/>
               <a:t>false</a:t>
             </a:r>
-            <a:endParaRPr lang="en-US" sz="1600"/>
           </a:p>
         </p:txBody>
       </p:sp>
@@ -7848,12 +7827,12 @@
           <a:bodyPr wrap="square" rtlCol="0">
             <a:spAutoFit/>
           </a:bodyPr>
+          <a:lstStyle/>
           <a:p>
             <a:r>
               <a:rPr lang="en-US" sz="1600"/>
               <a:t>false</a:t>
             </a:r>
-            <a:endParaRPr lang="en-US" sz="1600"/>
           </a:p>
         </p:txBody>
       </p:sp>
@@ -7877,12 +7856,12 @@
           <a:bodyPr wrap="square" rtlCol="0">
             <a:spAutoFit/>
           </a:bodyPr>
+          <a:lstStyle/>
           <a:p>
             <a:r>
               <a:rPr lang="en-US" sz="1600"/>
               <a:t>True</a:t>
             </a:r>
-            <a:endParaRPr lang="en-US" sz="1600"/>
           </a:p>
         </p:txBody>
       </p:sp>
@@ -7906,12 +7885,12 @@
           <a:bodyPr wrap="square" rtlCol="0">
             <a:spAutoFit/>
           </a:bodyPr>
+          <a:lstStyle/>
           <a:p>
             <a:r>
               <a:rPr lang="en-US" sz="1600"/>
               <a:t>True</a:t>
             </a:r>
-            <a:endParaRPr lang="en-US" sz="1600"/>
           </a:p>
         </p:txBody>
       </p:sp>
@@ -7930,7 +7909,7 @@
             <a:avLst/>
           </a:prstGeom>
           <a:solidFill>
-            <a:schemeClr val="bg1"/>
+            <a:schemeClr val="bg2"/>
           </a:solidFill>
           <a:ln w="28575" cmpd="sng">
             <a:solidFill>
@@ -7957,6 +7936,7 @@
         </p:style>
         <p:txBody>
           <a:bodyPr rtlCol="0" anchor="ctr"/>
+          <a:lstStyle/>
           <a:p>
             <a:pPr algn="ctr"/>
             <a:r>
@@ -7967,11 +7947,6 @@
               </a:rPr>
               <a:t>END</a:t>
             </a:r>
-            <a:endParaRPr lang="en-US">
-              <a:solidFill>
-                <a:schemeClr val="tx1"/>
-              </a:solidFill>
-            </a:endParaRPr>
           </a:p>
         </p:txBody>
       </p:sp>
@@ -7995,6 +7970,7 @@
           <a:bodyPr wrap="square" rtlCol="0">
             <a:spAutoFit/>
           </a:bodyPr>
+          <a:lstStyle/>
           <a:p>
             <a:r>
               <a:rPr lang="en-US" sz="2800" b="1" u="sng">
@@ -8012,19 +7988,6 @@
               </a:rPr>
               <a:t>EXERCISE 3</a:t>
             </a:r>
-            <a:endParaRPr lang="en-US" sz="2800" b="1" u="sng">
-              <a:ln/>
-              <a:solidFill>
-                <a:schemeClr val="tx1"/>
-              </a:solidFill>
-              <a:effectLst>
-                <a:outerShdw blurRad="38100" dist="19050" dir="2700000" algn="tl" rotWithShape="0">
-                  <a:schemeClr val="dk1">
-                    <a:alpha val="40000"/>
-                  </a:schemeClr>
-                </a:outerShdw>
-              </a:effectLst>
-            </a:endParaRPr>
           </a:p>
         </p:txBody>
       </p:sp>
@@ -8033,6 +7996,13 @@
   <p:clrMapOvr>
     <a:masterClrMapping/>
   </p:clrMapOvr>
+  <p:timing>
+    <p:tnLst>
+      <p:par>
+        <p:cTn id="1" dur="indefinite" restart="never" nodeType="tmRoot"/>
+      </p:par>
+    </p:tnLst>
+  </p:timing>
 </p:sld>
 </file>
 
@@ -8045,7 +8015,14 @@
         <p:cNvGrpSpPr/>
         <p:nvPr/>
       </p:nvGrpSpPr>
-      <p:grpSpPr/>
+      <p:grpSpPr>
+        <a:xfrm>
+          <a:off x="0" y="0"/>
+          <a:ext cx="0" cy="0"/>
+          <a:chOff x="0" y="0"/>
+          <a:chExt cx="0" cy="0"/>
+        </a:xfrm>
+      </p:grpSpPr>
       <p:sp>
         <p:nvSpPr>
           <p:cNvPr id="12" name="Flowchart: Alternate Process 11"/>
@@ -8061,7 +8038,7 @@
             <a:avLst/>
           </a:prstGeom>
           <a:solidFill>
-            <a:schemeClr val="bg1"/>
+            <a:schemeClr val="bg2"/>
           </a:solidFill>
           <a:ln w="28575" cmpd="sng">
             <a:solidFill>
@@ -8088,6 +8065,7 @@
         </p:style>
         <p:txBody>
           <a:bodyPr rtlCol="0" anchor="ctr"/>
+          <a:lstStyle/>
           <a:p>
             <a:pPr algn="ctr"/>
             <a:r>
@@ -8098,11 +8076,6 @@
               </a:rPr>
               <a:t>START</a:t>
             </a:r>
-            <a:endParaRPr lang="en-US">
-              <a:solidFill>
-                <a:schemeClr val="tx1"/>
-              </a:solidFill>
-            </a:endParaRPr>
           </a:p>
         </p:txBody>
       </p:sp>
@@ -8301,7 +8274,10 @@
             <a:avLst/>
           </a:prstGeom>
           <a:solidFill>
-            <a:schemeClr val="bg1"/>
+            <a:schemeClr val="accent1">
+              <a:lumMod val="20000"/>
+              <a:lumOff val="80000"/>
+            </a:schemeClr>
           </a:solidFill>
           <a:ln w="28575" cmpd="sng">
             <a:solidFill>
@@ -8328,10 +8304,11 @@
         </p:style>
         <p:txBody>
           <a:bodyPr rtlCol="0" anchor="ctr"/>
+          <a:lstStyle/>
           <a:p>
             <a:pPr algn="ctr"/>
             <a:r>
-              <a:rPr lang="en-US">
+              <a:rPr lang="en-US" dirty="0">
                 <a:solidFill>
                   <a:schemeClr val="tx1"/>
                 </a:solidFill>
@@ -8339,12 +8316,6 @@
               </a:rPr>
               <a:t>X=2</a:t>
             </a:r>
-            <a:endParaRPr lang="en-US">
-              <a:solidFill>
-                <a:schemeClr val="tx1"/>
-              </a:solidFill>
-              <a:sym typeface="+mn-ea"/>
-            </a:endParaRPr>
           </a:p>
         </p:txBody>
       </p:sp>
@@ -8363,7 +8334,10 @@
             <a:avLst/>
           </a:prstGeom>
           <a:solidFill>
-            <a:schemeClr val="bg1"/>
+            <a:schemeClr val="accent1">
+              <a:lumMod val="20000"/>
+              <a:lumOff val="80000"/>
+            </a:schemeClr>
           </a:solidFill>
           <a:ln w="28575" cmpd="sng">
             <a:solidFill>
@@ -8390,6 +8364,7 @@
         </p:style>
         <p:txBody>
           <a:bodyPr rtlCol="0" anchor="ctr"/>
+          <a:lstStyle/>
           <a:p>
             <a:pPr algn="ctr"/>
             <a:r>
@@ -8401,12 +8376,6 @@
               </a:rPr>
               <a:t>T=3</a:t>
             </a:r>
-            <a:endParaRPr lang="en-US">
-              <a:solidFill>
-                <a:schemeClr val="tx1"/>
-              </a:solidFill>
-              <a:sym typeface="+mn-ea"/>
-            </a:endParaRPr>
           </a:p>
         </p:txBody>
       </p:sp>
@@ -8424,6 +8393,12 @@
           <a:prstGeom prst="flowChartProcess">
             <a:avLst/>
           </a:prstGeom>
+          <a:solidFill>
+            <a:schemeClr val="accent6">
+              <a:lumMod val="20000"/>
+              <a:lumOff val="80000"/>
+            </a:schemeClr>
+          </a:solidFill>
           <a:ln w="28575" cmpd="sng">
             <a:solidFill>
               <a:schemeClr val="tx1"/>
@@ -8447,13 +8422,13 @@
         </p:style>
         <p:txBody>
           <a:bodyPr rtlCol="0" anchor="ctr"/>
+          <a:lstStyle/>
           <a:p>
             <a:pPr algn="ctr"/>
             <a:r>
               <a:rPr lang="en-US"/>
               <a:t>PRINT</a:t>
             </a:r>
-            <a:endParaRPr lang="en-US"/>
           </a:p>
         </p:txBody>
       </p:sp>
@@ -8471,6 +8446,12 @@
           <a:prstGeom prst="flowChartProcess">
             <a:avLst/>
           </a:prstGeom>
+          <a:solidFill>
+            <a:schemeClr val="accent6">
+              <a:lumMod val="20000"/>
+              <a:lumOff val="80000"/>
+            </a:schemeClr>
+          </a:solidFill>
           <a:ln w="28575" cmpd="sng">
             <a:solidFill>
               <a:schemeClr val="tx1"/>
@@ -8494,13 +8475,13 @@
         </p:style>
         <p:txBody>
           <a:bodyPr rtlCol="0" anchor="ctr"/>
+          <a:lstStyle/>
           <a:p>
             <a:pPr algn="ctr"/>
             <a:r>
-              <a:rPr lang="en-US"/>
+              <a:rPr lang="en-US" dirty="0"/>
               <a:t>TRUE</a:t>
             </a:r>
-            <a:endParaRPr lang="en-US"/>
           </a:p>
         </p:txBody>
       </p:sp>
@@ -8519,7 +8500,10 @@
             <a:avLst/>
           </a:prstGeom>
           <a:solidFill>
-            <a:schemeClr val="bg1"/>
+            <a:schemeClr val="accent2">
+              <a:lumMod val="40000"/>
+              <a:lumOff val="60000"/>
+            </a:schemeClr>
           </a:solidFill>
           <a:ln w="28575" cmpd="sng">
             <a:solidFill>
@@ -8546,10 +8530,11 @@
         </p:style>
         <p:txBody>
           <a:bodyPr rtlCol="0" anchor="ctr"/>
+          <a:lstStyle/>
           <a:p>
             <a:pPr algn="ctr"/>
             <a:r>
-              <a:rPr lang="en-US" sz="1600">
+              <a:rPr lang="en-US" sz="1600" dirty="0">
                 <a:solidFill>
                   <a:schemeClr val="tx1"/>
                 </a:solidFill>
@@ -8557,12 +8542,6 @@
               </a:rPr>
               <a:t>t!=x==5</a:t>
             </a:r>
-            <a:endParaRPr lang="en-US" sz="1600">
-              <a:solidFill>
-                <a:schemeClr val="tx1"/>
-              </a:solidFill>
-              <a:sym typeface="+mn-ea"/>
-            </a:endParaRPr>
           </a:p>
         </p:txBody>
       </p:sp>
@@ -8916,7 +8895,10 @@
             <a:avLst/>
           </a:prstGeom>
           <a:solidFill>
-            <a:schemeClr val="bg1"/>
+            <a:schemeClr val="accent2">
+              <a:lumMod val="40000"/>
+              <a:lumOff val="60000"/>
+            </a:schemeClr>
           </a:solidFill>
           <a:ln w="28575" cmpd="sng">
             <a:solidFill>
@@ -8943,21 +8925,25 @@
         </p:style>
         <p:txBody>
           <a:bodyPr rtlCol="0" anchor="ctr"/>
+          <a:lstStyle/>
           <a:p>
             <a:pPr algn="ctr"/>
             <a:r>
-              <a:rPr lang="en-US" sz="1600">
+              <a:rPr lang="en-US" sz="1600" dirty="0" err="1">
                 <a:solidFill>
                   <a:schemeClr val="tx1"/>
                 </a:solidFill>
               </a:rPr>
-              <a:t>t+x==5</a:t>
-            </a:r>
-            <a:endParaRPr lang="en-US" sz="1600">
-              <a:solidFill>
-                <a:schemeClr val="tx1"/>
-              </a:solidFill>
-            </a:endParaRPr>
+              <a:t>t+x</a:t>
+            </a:r>
+            <a:r>
+              <a:rPr lang="en-US" sz="1600" dirty="0">
+                <a:solidFill>
+                  <a:schemeClr val="tx1"/>
+                </a:solidFill>
+              </a:rPr>
+              <a:t>==5</a:t>
+            </a:r>
           </a:p>
         </p:txBody>
       </p:sp>
@@ -8976,7 +8962,10 @@
             <a:avLst/>
           </a:prstGeom>
           <a:solidFill>
-            <a:schemeClr val="bg1"/>
+            <a:schemeClr val="accent2">
+              <a:lumMod val="40000"/>
+              <a:lumOff val="60000"/>
+            </a:schemeClr>
           </a:solidFill>
           <a:ln w="28575" cmpd="sng">
             <a:solidFill>
@@ -9003,21 +8992,17 @@
         </p:style>
         <p:txBody>
           <a:bodyPr rtlCol="0" anchor="ctr"/>
+          <a:lstStyle/>
           <a:p>
             <a:pPr algn="ctr"/>
             <a:r>
-              <a:rPr lang="en-US" sz="1600">
+              <a:rPr lang="en-US" sz="1600" dirty="0">
                 <a:solidFill>
                   <a:schemeClr val="tx1"/>
                 </a:solidFill>
               </a:rPr>
               <a:t>t-x==5</a:t>
             </a:r>
-            <a:endParaRPr lang="en-US" sz="1600">
-              <a:solidFill>
-                <a:schemeClr val="tx1"/>
-              </a:solidFill>
-            </a:endParaRPr>
           </a:p>
         </p:txBody>
       </p:sp>
@@ -9041,12 +9026,12 @@
           <a:bodyPr wrap="square" rtlCol="0">
             <a:spAutoFit/>
           </a:bodyPr>
+          <a:lstStyle/>
           <a:p>
             <a:r>
               <a:rPr lang="en-US" sz="1600"/>
               <a:t>false</a:t>
             </a:r>
-            <a:endParaRPr lang="en-US" sz="1600"/>
           </a:p>
         </p:txBody>
       </p:sp>
@@ -9070,12 +9055,12 @@
           <a:bodyPr wrap="square" rtlCol="0">
             <a:spAutoFit/>
           </a:bodyPr>
+          <a:lstStyle/>
           <a:p>
             <a:r>
               <a:rPr lang="en-US" sz="1600"/>
               <a:t>false</a:t>
             </a:r>
-            <a:endParaRPr lang="en-US" sz="1600"/>
           </a:p>
         </p:txBody>
       </p:sp>
@@ -9099,12 +9084,12 @@
           <a:bodyPr wrap="square" rtlCol="0">
             <a:spAutoFit/>
           </a:bodyPr>
+          <a:lstStyle/>
           <a:p>
             <a:r>
               <a:rPr lang="en-US" sz="1600"/>
               <a:t>True</a:t>
             </a:r>
-            <a:endParaRPr lang="en-US" sz="1600"/>
           </a:p>
         </p:txBody>
       </p:sp>
@@ -9128,12 +9113,12 @@
           <a:bodyPr wrap="square" rtlCol="0">
             <a:spAutoFit/>
           </a:bodyPr>
+          <a:lstStyle/>
           <a:p>
             <a:r>
               <a:rPr lang="en-US" sz="1600"/>
               <a:t>True</a:t>
             </a:r>
-            <a:endParaRPr lang="en-US" sz="1600"/>
           </a:p>
         </p:txBody>
       </p:sp>
@@ -9152,7 +9137,7 @@
             <a:avLst/>
           </a:prstGeom>
           <a:solidFill>
-            <a:schemeClr val="bg1"/>
+            <a:schemeClr val="bg2"/>
           </a:solidFill>
           <a:ln w="28575" cmpd="sng">
             <a:solidFill>
@@ -9179,6 +9164,7 @@
         </p:style>
         <p:txBody>
           <a:bodyPr rtlCol="0" anchor="ctr"/>
+          <a:lstStyle/>
           <a:p>
             <a:pPr algn="ctr"/>
             <a:r>
@@ -9189,11 +9175,6 @@
               </a:rPr>
               <a:t>END</a:t>
             </a:r>
-            <a:endParaRPr lang="en-US">
-              <a:solidFill>
-                <a:schemeClr val="tx1"/>
-              </a:solidFill>
-            </a:endParaRPr>
           </a:p>
         </p:txBody>
       </p:sp>
@@ -9217,6 +9198,7 @@
           <a:bodyPr wrap="square" rtlCol="0">
             <a:spAutoFit/>
           </a:bodyPr>
+          <a:lstStyle/>
           <a:p>
             <a:r>
               <a:rPr lang="en-US" sz="2800" b="1" u="sng">
@@ -9248,18 +9230,6 @@
               </a:rPr>
               <a:t>3 II</a:t>
             </a:r>
-            <a:endParaRPr lang="en-US" b="1" u="sng">
-              <a:solidFill>
-                <a:schemeClr val="tx1"/>
-              </a:solidFill>
-              <a:effectLst>
-                <a:outerShdw blurRad="38100" dist="19050" dir="2700000" algn="tl" rotWithShape="0">
-                  <a:schemeClr val="dk1">
-                    <a:alpha val="40000"/>
-                  </a:schemeClr>
-                </a:outerShdw>
-              </a:effectLst>
-            </a:endParaRPr>
           </a:p>
         </p:txBody>
       </p:sp>
@@ -9268,6 +9238,13 @@
   <p:clrMapOvr>
     <a:masterClrMapping/>
   </p:clrMapOvr>
+  <p:timing>
+    <p:tnLst>
+      <p:par>
+        <p:cTn id="1" dur="indefinite" restart="never" nodeType="tmRoot"/>
+      </p:par>
+    </p:tnLst>
+  </p:timing>
 </p:sld>
 </file>
 
@@ -9280,7 +9257,14 @@
         <p:cNvGrpSpPr/>
         <p:nvPr/>
       </p:nvGrpSpPr>
-      <p:grpSpPr/>
+      <p:grpSpPr>
+        <a:xfrm>
+          <a:off x="0" y="0"/>
+          <a:ext cx="0" cy="0"/>
+          <a:chOff x="0" y="0"/>
+          <a:chExt cx="0" cy="0"/>
+        </a:xfrm>
+      </p:grpSpPr>
       <p:sp>
         <p:nvSpPr>
           <p:cNvPr id="12" name="Flowchart: Alternate Process 11"/>
@@ -9296,7 +9280,7 @@
             <a:avLst/>
           </a:prstGeom>
           <a:solidFill>
-            <a:schemeClr val="bg1"/>
+            <a:schemeClr val="bg2"/>
           </a:solidFill>
           <a:ln w="28575" cmpd="sng">
             <a:solidFill>
@@ -9323,21 +9307,17 @@
         </p:style>
         <p:txBody>
           <a:bodyPr rtlCol="0" anchor="ctr"/>
+          <a:lstStyle/>
           <a:p>
             <a:pPr algn="ctr"/>
             <a:r>
-              <a:rPr lang="en-US">
+              <a:rPr lang="en-US" dirty="0">
                 <a:solidFill>
                   <a:schemeClr val="tx1"/>
                 </a:solidFill>
               </a:rPr>
               <a:t>START</a:t>
             </a:r>
-            <a:endParaRPr lang="en-US">
-              <a:solidFill>
-                <a:schemeClr val="tx1"/>
-              </a:solidFill>
-            </a:endParaRPr>
           </a:p>
         </p:txBody>
       </p:sp>
@@ -9536,7 +9516,10 @@
             <a:avLst/>
           </a:prstGeom>
           <a:solidFill>
-            <a:schemeClr val="bg1"/>
+            <a:schemeClr val="accent1">
+              <a:lumMod val="20000"/>
+              <a:lumOff val="80000"/>
+            </a:schemeClr>
           </a:solidFill>
           <a:ln w="28575" cmpd="sng">
             <a:solidFill>
@@ -9563,6 +9546,7 @@
         </p:style>
         <p:txBody>
           <a:bodyPr rtlCol="0" anchor="ctr"/>
+          <a:lstStyle/>
           <a:p>
             <a:pPr algn="ctr"/>
             <a:r>
@@ -9574,12 +9558,6 @@
               </a:rPr>
               <a:t>X=2</a:t>
             </a:r>
-            <a:endParaRPr lang="en-US">
-              <a:solidFill>
-                <a:schemeClr val="tx1"/>
-              </a:solidFill>
-              <a:sym typeface="+mn-ea"/>
-            </a:endParaRPr>
           </a:p>
         </p:txBody>
       </p:sp>
@@ -9598,7 +9576,10 @@
             <a:avLst/>
           </a:prstGeom>
           <a:solidFill>
-            <a:schemeClr val="bg1"/>
+            <a:schemeClr val="accent1">
+              <a:lumMod val="20000"/>
+              <a:lumOff val="80000"/>
+            </a:schemeClr>
           </a:solidFill>
           <a:ln w="28575" cmpd="sng">
             <a:solidFill>
@@ -9625,6 +9606,7 @@
         </p:style>
         <p:txBody>
           <a:bodyPr rtlCol="0" anchor="ctr"/>
+          <a:lstStyle/>
           <a:p>
             <a:pPr algn="ctr"/>
             <a:r>
@@ -9636,12 +9618,6 @@
               </a:rPr>
               <a:t>T=2</a:t>
             </a:r>
-            <a:endParaRPr lang="en-US">
-              <a:solidFill>
-                <a:schemeClr val="tx1"/>
-              </a:solidFill>
-              <a:sym typeface="+mn-ea"/>
-            </a:endParaRPr>
           </a:p>
         </p:txBody>
       </p:sp>
@@ -9659,6 +9635,12 @@
           <a:prstGeom prst="flowChartProcess">
             <a:avLst/>
           </a:prstGeom>
+          <a:solidFill>
+            <a:schemeClr val="accent6">
+              <a:lumMod val="20000"/>
+              <a:lumOff val="80000"/>
+            </a:schemeClr>
+          </a:solidFill>
           <a:ln w="28575" cmpd="sng">
             <a:solidFill>
               <a:schemeClr val="tx1"/>
@@ -9682,13 +9664,13 @@
         </p:style>
         <p:txBody>
           <a:bodyPr rtlCol="0" anchor="ctr"/>
+          <a:lstStyle/>
           <a:p>
             <a:pPr algn="ctr"/>
             <a:r>
-              <a:rPr lang="en-US"/>
+              <a:rPr lang="en-US" dirty="0"/>
               <a:t>PRINT</a:t>
             </a:r>
-            <a:endParaRPr lang="en-US"/>
           </a:p>
         </p:txBody>
       </p:sp>
@@ -9706,6 +9688,12 @@
           <a:prstGeom prst="flowChartProcess">
             <a:avLst/>
           </a:prstGeom>
+          <a:solidFill>
+            <a:schemeClr val="accent6">
+              <a:lumMod val="20000"/>
+              <a:lumOff val="80000"/>
+            </a:schemeClr>
+          </a:solidFill>
           <a:ln w="28575" cmpd="sng">
             <a:solidFill>
               <a:schemeClr val="tx1"/>
@@ -9729,13 +9717,13 @@
         </p:style>
         <p:txBody>
           <a:bodyPr rtlCol="0" anchor="ctr"/>
+          <a:lstStyle/>
           <a:p>
             <a:pPr algn="ctr"/>
             <a:r>
               <a:rPr lang="en-US"/>
               <a:t>TRUE</a:t>
             </a:r>
-            <a:endParaRPr lang="en-US"/>
           </a:p>
         </p:txBody>
       </p:sp>
@@ -9754,7 +9742,10 @@
             <a:avLst/>
           </a:prstGeom>
           <a:solidFill>
-            <a:schemeClr val="bg1"/>
+            <a:schemeClr val="accent2">
+              <a:lumMod val="40000"/>
+              <a:lumOff val="60000"/>
+            </a:schemeClr>
           </a:solidFill>
           <a:ln w="28575" cmpd="sng">
             <a:solidFill>
@@ -9781,10 +9772,11 @@
         </p:style>
         <p:txBody>
           <a:bodyPr rtlCol="0" anchor="ctr"/>
+          <a:lstStyle/>
           <a:p>
             <a:pPr algn="ctr"/>
             <a:r>
-              <a:rPr lang="en-US" sz="1600">
+              <a:rPr lang="en-US" sz="1600" dirty="0">
                 <a:solidFill>
                   <a:schemeClr val="tx1"/>
                 </a:solidFill>
@@ -9792,12 +9784,6 @@
               </a:rPr>
               <a:t>t==x</a:t>
             </a:r>
-            <a:endParaRPr lang="en-US" sz="1600">
-              <a:solidFill>
-                <a:schemeClr val="tx1"/>
-              </a:solidFill>
-              <a:sym typeface="+mn-ea"/>
-            </a:endParaRPr>
           </a:p>
         </p:txBody>
       </p:sp>
@@ -10151,7 +10137,10 @@
             <a:avLst/>
           </a:prstGeom>
           <a:solidFill>
-            <a:schemeClr val="bg1"/>
+            <a:schemeClr val="accent2">
+              <a:lumMod val="40000"/>
+              <a:lumOff val="60000"/>
+            </a:schemeClr>
           </a:solidFill>
           <a:ln w="28575" cmpd="sng">
             <a:solidFill>
@@ -10178,6 +10167,7 @@
         </p:style>
         <p:txBody>
           <a:bodyPr rtlCol="0" anchor="ctr"/>
+          <a:lstStyle/>
           <a:p>
             <a:pPr algn="ctr"/>
             <a:r>
@@ -10188,11 +10178,6 @@
               </a:rPr>
               <a:t>t+x==5</a:t>
             </a:r>
-            <a:endParaRPr lang="en-US" sz="1600">
-              <a:solidFill>
-                <a:schemeClr val="tx1"/>
-              </a:solidFill>
-            </a:endParaRPr>
           </a:p>
         </p:txBody>
       </p:sp>
@@ -10211,7 +10196,10 @@
             <a:avLst/>
           </a:prstGeom>
           <a:solidFill>
-            <a:schemeClr val="bg1"/>
+            <a:schemeClr val="accent2">
+              <a:lumMod val="40000"/>
+              <a:lumOff val="60000"/>
+            </a:schemeClr>
           </a:solidFill>
           <a:ln w="28575" cmpd="sng">
             <a:solidFill>
@@ -10238,21 +10226,17 @@
         </p:style>
         <p:txBody>
           <a:bodyPr rtlCol="0" anchor="ctr"/>
+          <a:lstStyle/>
           <a:p>
             <a:pPr algn="ctr"/>
             <a:r>
-              <a:rPr lang="en-US" sz="1600">
+              <a:rPr lang="en-US" sz="1600" dirty="0">
                 <a:solidFill>
                   <a:schemeClr val="tx1"/>
                 </a:solidFill>
               </a:rPr>
               <a:t>t-x==5</a:t>
             </a:r>
-            <a:endParaRPr lang="en-US" sz="1600">
-              <a:solidFill>
-                <a:schemeClr val="tx1"/>
-              </a:solidFill>
-            </a:endParaRPr>
           </a:p>
         </p:txBody>
       </p:sp>
@@ -10276,12 +10260,12 @@
           <a:bodyPr wrap="square" rtlCol="0">
             <a:spAutoFit/>
           </a:bodyPr>
+          <a:lstStyle/>
           <a:p>
             <a:r>
               <a:rPr lang="en-US" sz="1600"/>
               <a:t>false</a:t>
             </a:r>
-            <a:endParaRPr lang="en-US" sz="1600"/>
           </a:p>
         </p:txBody>
       </p:sp>
@@ -10305,12 +10289,12 @@
           <a:bodyPr wrap="square" rtlCol="0">
             <a:spAutoFit/>
           </a:bodyPr>
+          <a:lstStyle/>
           <a:p>
             <a:r>
               <a:rPr lang="en-US" sz="1600"/>
               <a:t>false</a:t>
             </a:r>
-            <a:endParaRPr lang="en-US" sz="1600"/>
           </a:p>
         </p:txBody>
       </p:sp>
@@ -10334,12 +10318,12 @@
           <a:bodyPr wrap="square" rtlCol="0">
             <a:spAutoFit/>
           </a:bodyPr>
+          <a:lstStyle/>
           <a:p>
             <a:r>
               <a:rPr lang="en-US" sz="1600"/>
               <a:t>True</a:t>
             </a:r>
-            <a:endParaRPr lang="en-US" sz="1600"/>
           </a:p>
         </p:txBody>
       </p:sp>
@@ -10363,12 +10347,12 @@
           <a:bodyPr wrap="square" rtlCol="0">
             <a:spAutoFit/>
           </a:bodyPr>
+          <a:lstStyle/>
           <a:p>
             <a:r>
               <a:rPr lang="en-US" sz="1600"/>
               <a:t>True</a:t>
             </a:r>
-            <a:endParaRPr lang="en-US" sz="1600"/>
           </a:p>
         </p:txBody>
       </p:sp>
@@ -10387,7 +10371,7 @@
             <a:avLst/>
           </a:prstGeom>
           <a:solidFill>
-            <a:schemeClr val="bg1"/>
+            <a:schemeClr val="bg2"/>
           </a:solidFill>
           <a:ln w="28575" cmpd="sng">
             <a:solidFill>
@@ -10414,6 +10398,7 @@
         </p:style>
         <p:txBody>
           <a:bodyPr rtlCol="0" anchor="ctr"/>
+          <a:lstStyle/>
           <a:p>
             <a:pPr algn="ctr"/>
             <a:r>
@@ -10424,11 +10409,6 @@
               </a:rPr>
               <a:t>END</a:t>
             </a:r>
-            <a:endParaRPr lang="en-US">
-              <a:solidFill>
-                <a:schemeClr val="tx1"/>
-              </a:solidFill>
-            </a:endParaRPr>
           </a:p>
         </p:txBody>
       </p:sp>
@@ -10452,6 +10432,7 @@
           <a:bodyPr wrap="square" rtlCol="0">
             <a:spAutoFit/>
           </a:bodyPr>
+          <a:lstStyle/>
           <a:p>
             <a:r>
               <a:rPr lang="en-US" sz="2800" b="1" u="sng">
@@ -10483,18 +10464,6 @@
               </a:rPr>
               <a:t>3 III</a:t>
             </a:r>
-            <a:endParaRPr lang="en-US" b="1" u="sng">
-              <a:solidFill>
-                <a:schemeClr val="tx1"/>
-              </a:solidFill>
-              <a:effectLst>
-                <a:outerShdw blurRad="38100" dist="19050" dir="2700000" algn="tl" rotWithShape="0">
-                  <a:schemeClr val="dk1">
-                    <a:alpha val="40000"/>
-                  </a:schemeClr>
-                </a:outerShdw>
-              </a:effectLst>
-            </a:endParaRPr>
           </a:p>
         </p:txBody>
       </p:sp>
@@ -10503,6 +10472,13 @@
   <p:clrMapOvr>
     <a:masterClrMapping/>
   </p:clrMapOvr>
+  <p:timing>
+    <p:tnLst>
+      <p:par>
+        <p:cTn id="1" dur="indefinite" restart="never" nodeType="tmRoot"/>
+      </p:par>
+    </p:tnLst>
+  </p:timing>
 </p:sld>
 </file>
 
@@ -10537,6 +10513,12 @@
           <a:prstGeom prst="flowChartProcess">
             <a:avLst/>
           </a:prstGeom>
+          <a:solidFill>
+            <a:schemeClr val="accent6">
+              <a:lumMod val="20000"/>
+              <a:lumOff val="80000"/>
+            </a:schemeClr>
+          </a:solidFill>
           <a:ln w="28575" cmpd="sng">
             <a:solidFill>
               <a:schemeClr val="tx1"/>
@@ -10560,13 +10542,13 @@
         </p:style>
         <p:txBody>
           <a:bodyPr rtlCol="0" anchor="ctr"/>
+          <a:lstStyle/>
           <a:p>
             <a:pPr algn="ctr"/>
             <a:r>
               <a:rPr lang="en-US"/>
               <a:t>B=max(a)</a:t>
             </a:r>
-            <a:endParaRPr lang="en-US"/>
           </a:p>
         </p:txBody>
       </p:sp>
@@ -10585,7 +10567,10 @@
             <a:avLst/>
           </a:prstGeom>
           <a:solidFill>
-            <a:schemeClr val="bg1"/>
+            <a:schemeClr val="accent1">
+              <a:lumMod val="20000"/>
+              <a:lumOff val="80000"/>
+            </a:schemeClr>
           </a:solidFill>
           <a:ln w="28575" cmpd="sng">
             <a:solidFill>
@@ -10612,6 +10597,7 @@
         </p:style>
         <p:txBody>
           <a:bodyPr rtlCol="0" anchor="ctr"/>
+          <a:lstStyle/>
           <a:p>
             <a:pPr algn="ctr"/>
             <a:r>
@@ -10623,12 +10609,6 @@
               </a:rPr>
               <a:t>A=[8,3,7]</a:t>
             </a:r>
-            <a:endParaRPr lang="en-US">
-              <a:solidFill>
-                <a:schemeClr val="tx1"/>
-              </a:solidFill>
-              <a:sym typeface="+mn-ea"/>
-            </a:endParaRPr>
           </a:p>
         </p:txBody>
       </p:sp>
@@ -10647,7 +10627,7 @@
             <a:avLst/>
           </a:prstGeom>
           <a:solidFill>
-            <a:schemeClr val="bg1"/>
+            <a:schemeClr val="bg2"/>
           </a:solidFill>
           <a:ln w="28575" cmpd="sng">
             <a:solidFill>
@@ -10674,21 +10654,17 @@
         </p:style>
         <p:txBody>
           <a:bodyPr rtlCol="0" anchor="ctr"/>
+          <a:lstStyle/>
           <a:p>
             <a:pPr algn="ctr"/>
             <a:r>
-              <a:rPr lang="en-US">
+              <a:rPr lang="en-US" dirty="0">
                 <a:solidFill>
                   <a:schemeClr val="tx1"/>
                 </a:solidFill>
               </a:rPr>
               <a:t>START</a:t>
             </a:r>
-            <a:endParaRPr lang="en-US">
-              <a:solidFill>
-                <a:schemeClr val="tx1"/>
-              </a:solidFill>
-            </a:endParaRPr>
           </a:p>
         </p:txBody>
       </p:sp>
@@ -10886,6 +10862,12 @@
           <a:prstGeom prst="flowChartProcess">
             <a:avLst/>
           </a:prstGeom>
+          <a:solidFill>
+            <a:schemeClr val="accent6">
+              <a:lumMod val="20000"/>
+              <a:lumOff val="80000"/>
+            </a:schemeClr>
+          </a:solidFill>
           <a:ln w="28575" cmpd="sng">
             <a:solidFill>
               <a:schemeClr val="tx1"/>
@@ -10909,13 +10891,13 @@
         </p:style>
         <p:txBody>
           <a:bodyPr rtlCol="0" anchor="ctr"/>
+          <a:lstStyle/>
           <a:p>
             <a:pPr algn="ctr"/>
             <a:r>
               <a:rPr lang="en-US"/>
               <a:t>C=min(a)</a:t>
             </a:r>
-            <a:endParaRPr lang="en-US"/>
           </a:p>
         </p:txBody>
       </p:sp>
@@ -10933,6 +10915,12 @@
           <a:prstGeom prst="flowChartProcess">
             <a:avLst/>
           </a:prstGeom>
+          <a:solidFill>
+            <a:schemeClr val="accent6">
+              <a:lumMod val="20000"/>
+              <a:lumOff val="80000"/>
+            </a:schemeClr>
+          </a:solidFill>
           <a:ln w="28575" cmpd="sng">
             <a:solidFill>
               <a:schemeClr val="tx1"/>
@@ -10956,6 +10944,7 @@
         </p:style>
         <p:txBody>
           <a:bodyPr rtlCol="0" anchor="ctr"/>
+          <a:lstStyle/>
           <a:p>
             <a:pPr algn="ctr"/>
             <a:r>
@@ -11019,7 +11008,7 @@
             <a:avLst/>
           </a:prstGeom>
           <a:solidFill>
-            <a:schemeClr val="bg1"/>
+            <a:schemeClr val="bg2"/>
           </a:solidFill>
           <a:ln w="28575" cmpd="sng">
             <a:solidFill>
@@ -11046,25 +11035,21 @@
         </p:style>
         <p:txBody>
           <a:bodyPr rtlCol="0" anchor="ctr"/>
+          <a:lstStyle/>
           <a:p>
             <a:pPr algn="ctr"/>
             <a:r>
-              <a:rPr lang="en-US"/>
+              <a:rPr lang="en-US" dirty="0"/>
               <a:t>END</a:t>
             </a:r>
             <a:r>
-              <a:rPr lang="en-US">
+              <a:rPr lang="en-US" dirty="0">
                 <a:solidFill>
                   <a:schemeClr val="tx1"/>
                 </a:solidFill>
               </a:rPr>
               <a:t>END</a:t>
             </a:r>
-            <a:endParaRPr lang="en-US">
-              <a:solidFill>
-                <a:schemeClr val="tx1"/>
-              </a:solidFill>
-            </a:endParaRPr>
           </a:p>
         </p:txBody>
       </p:sp>
@@ -11082,6 +11067,12 @@
           <a:prstGeom prst="flowChartProcess">
             <a:avLst/>
           </a:prstGeom>
+          <a:solidFill>
+            <a:schemeClr val="accent6">
+              <a:lumMod val="20000"/>
+              <a:lumOff val="80000"/>
+            </a:schemeClr>
+          </a:solidFill>
           <a:ln w="28575" cmpd="sng">
             <a:solidFill>
               <a:schemeClr val="tx1"/>
@@ -11105,13 +11096,13 @@
         </p:style>
         <p:txBody>
           <a:bodyPr rtlCol="0" anchor="ctr"/>
+          <a:lstStyle/>
           <a:p>
             <a:pPr algn="ctr"/>
             <a:r>
               <a:rPr lang="en-US"/>
               <a:t>PRINT</a:t>
             </a:r>
-            <a:endParaRPr lang="en-US"/>
           </a:p>
         </p:txBody>
       </p:sp>
@@ -11420,6 +11411,7 @@
           <a:bodyPr wrap="square" rtlCol="0">
             <a:spAutoFit/>
           </a:bodyPr>
+          <a:lstStyle/>
           <a:p>
             <a:r>
               <a:rPr lang="en-US" sz="2800" b="1" u="sng">
@@ -11437,19 +11429,6 @@
               </a:rPr>
               <a:t>EXERCISE 4</a:t>
             </a:r>
-            <a:endParaRPr lang="en-US" sz="2800" b="1" u="sng">
-              <a:ln/>
-              <a:solidFill>
-                <a:schemeClr val="tx1"/>
-              </a:solidFill>
-              <a:effectLst>
-                <a:outerShdw blurRad="38100" dist="19050" dir="2700000" algn="tl" rotWithShape="0">
-                  <a:schemeClr val="dk1">
-                    <a:alpha val="40000"/>
-                  </a:schemeClr>
-                </a:outerShdw>
-              </a:effectLst>
-            </a:endParaRPr>
           </a:p>
         </p:txBody>
       </p:sp>
@@ -11458,6 +11437,13 @@
   <p:clrMapOvr>
     <a:masterClrMapping/>
   </p:clrMapOvr>
+  <p:timing>
+    <p:tnLst>
+      <p:par>
+        <p:cTn id="1" dur="indefinite" restart="never" nodeType="tmRoot"/>
+      </p:par>
+    </p:tnLst>
+  </p:timing>
 </p:sld>
 </file>
 
@@ -11470,7 +11456,14 @@
         <p:cNvGrpSpPr/>
         <p:nvPr/>
       </p:nvGrpSpPr>
-      <p:grpSpPr/>
+      <p:grpSpPr>
+        <a:xfrm>
+          <a:off x="0" y="0"/>
+          <a:ext cx="0" cy="0"/>
+          <a:chOff x="0" y="0"/>
+          <a:chExt cx="0" cy="0"/>
+        </a:xfrm>
+      </p:grpSpPr>
       <p:sp>
         <p:nvSpPr>
           <p:cNvPr id="12" name="Flowchart: Alternate Process 11"/>
@@ -11486,7 +11479,7 @@
             <a:avLst/>
           </a:prstGeom>
           <a:solidFill>
-            <a:schemeClr val="bg1"/>
+            <a:schemeClr val="bg2"/>
           </a:solidFill>
           <a:ln w="28575" cmpd="sng">
             <a:solidFill>
@@ -11513,6 +11506,7 @@
         </p:style>
         <p:txBody>
           <a:bodyPr rtlCol="0" anchor="ctr"/>
+          <a:lstStyle/>
           <a:p>
             <a:pPr algn="ctr"/>
             <a:r>
@@ -11523,11 +11517,6 @@
               </a:rPr>
               <a:t>START</a:t>
             </a:r>
-            <a:endParaRPr lang="en-US">
-              <a:solidFill>
-                <a:schemeClr val="tx1"/>
-              </a:solidFill>
-            </a:endParaRPr>
           </a:p>
         </p:txBody>
       </p:sp>
@@ -11647,14 +11636,17 @@
         </p:nvSpPr>
         <p:spPr>
           <a:xfrm>
-            <a:off x="304800" y="1514475"/>
-            <a:ext cx="3543935" cy="378460"/>
+            <a:off x="8542" y="1468913"/>
+            <a:ext cx="4208206" cy="558483"/>
           </a:xfrm>
           <a:prstGeom prst="flowChartInputOutput">
             <a:avLst/>
           </a:prstGeom>
           <a:solidFill>
-            <a:schemeClr val="bg1"/>
+            <a:schemeClr val="accent1">
+              <a:lumMod val="20000"/>
+              <a:lumOff val="80000"/>
+            </a:schemeClr>
           </a:solidFill>
           <a:ln w="28575" cmpd="sng">
             <a:solidFill>
@@ -11681,18 +11673,37 @@
         </p:style>
         <p:txBody>
           <a:bodyPr rtlCol="0" anchor="ctr"/>
+          <a:lstStyle/>
           <a:p>
             <a:pPr algn="ctr"/>
             <a:r>
-              <a:rPr lang="en-US">
+              <a:rPr lang="en-US" dirty="0" smtClean="0">
                 <a:solidFill>
                   <a:schemeClr val="tx1"/>
                 </a:solidFill>
                 <a:sym typeface="+mn-ea"/>
               </a:rPr>
-              <a:t>B=[INT LESS THAN 6]</a:t>
-            </a:r>
-            <a:endParaRPr lang="en-US">
+              <a:t>A=(</a:t>
+            </a:r>
+            <a:r>
+              <a:rPr lang="en-US" dirty="0" err="1">
+                <a:solidFill>
+                  <a:schemeClr val="tx1"/>
+                </a:solidFill>
+                <a:sym typeface="+mn-ea"/>
+              </a:rPr>
+              <a:t>int</a:t>
+            </a:r>
+            <a:r>
+              <a:rPr lang="en-US" dirty="0">
+                <a:solidFill>
+                  <a:schemeClr val="tx1"/>
+                </a:solidFill>
+                <a:sym typeface="+mn-ea"/>
+              </a:rPr>
+              <a:t>(input("Enter value:")))]</a:t>
+            </a:r>
+            <a:endParaRPr lang="en-US" dirty="0">
               <a:solidFill>
                 <a:schemeClr val="tx1"/>
               </a:solidFill>
@@ -11716,7 +11727,10 @@
             <a:avLst/>
           </a:prstGeom>
           <a:solidFill>
-            <a:schemeClr val="bg1"/>
+            <a:schemeClr val="accent1">
+              <a:lumMod val="20000"/>
+              <a:lumOff val="80000"/>
+            </a:schemeClr>
           </a:solidFill>
           <a:ln w="28575" cmpd="sng">
             <a:solidFill>
@@ -11743,6 +11757,7 @@
         </p:style>
         <p:txBody>
           <a:bodyPr rtlCol="0" anchor="ctr"/>
+          <a:lstStyle/>
           <a:p>
             <a:pPr algn="ctr"/>
             <a:r>
@@ -11754,12 +11769,6 @@
               </a:rPr>
               <a:t>A=6</a:t>
             </a:r>
-            <a:endParaRPr lang="en-US">
-              <a:solidFill>
-                <a:schemeClr val="tx1"/>
-              </a:solidFill>
-              <a:sym typeface="+mn-ea"/>
-            </a:endParaRPr>
           </a:p>
         </p:txBody>
       </p:sp>
@@ -11814,7 +11823,10 @@
             <a:avLst/>
           </a:prstGeom>
           <a:solidFill>
-            <a:schemeClr val="bg1"/>
+            <a:schemeClr val="accent1">
+              <a:lumMod val="20000"/>
+              <a:lumOff val="80000"/>
+            </a:schemeClr>
           </a:solidFill>
           <a:ln w="28575" cmpd="sng">
             <a:solidFill>
@@ -11841,23 +11853,36 @@
         </p:style>
         <p:txBody>
           <a:bodyPr rtlCol="0" anchor="ctr"/>
+          <a:lstStyle/>
           <a:p>
             <a:pPr algn="ctr"/>
             <a:r>
-              <a:rPr lang="en-US">
+              <a:rPr lang="en-US" dirty="0">
                 <a:solidFill>
                   <a:schemeClr val="tx1"/>
                 </a:solidFill>
                 <a:sym typeface="+mn-ea"/>
               </a:rPr>
-              <a:t>B[0]=B[0]**3</a:t>
-            </a:r>
-            <a:endParaRPr lang="en-US">
-              <a:solidFill>
-                <a:schemeClr val="tx1"/>
-              </a:solidFill>
-              <a:sym typeface="+mn-ea"/>
-            </a:endParaRPr>
+              <a:t>B</a:t>
+            </a:r>
+            <a:r>
+              <a:rPr lang="en-US" dirty="0" smtClean="0">
+                <a:solidFill>
+                  <a:schemeClr val="tx1"/>
+                </a:solidFill>
+                <a:sym typeface="+mn-ea"/>
+              </a:rPr>
+              <a:t>[0</a:t>
+            </a:r>
+            <a:r>
+              <a:rPr lang="en-US" dirty="0">
+                <a:solidFill>
+                  <a:schemeClr val="tx1"/>
+                </a:solidFill>
+                <a:sym typeface="+mn-ea"/>
+              </a:rPr>
+              <a:t>]=B[0]**3</a:t>
+            </a:r>
           </a:p>
         </p:txBody>
       </p:sp>
@@ -11984,7 +12009,10 @@
             <a:avLst/>
           </a:prstGeom>
           <a:solidFill>
-            <a:schemeClr val="bg1"/>
+            <a:schemeClr val="accent1">
+              <a:lumMod val="20000"/>
+              <a:lumOff val="80000"/>
+            </a:schemeClr>
           </a:solidFill>
           <a:ln w="28575" cmpd="sng">
             <a:solidFill>
@@ -12011,183 +12039,228 @@
         </p:style>
         <p:txBody>
           <a:bodyPr rtlCol="0" anchor="ctr"/>
+          <a:lstStyle/>
           <a:p>
             <a:pPr algn="ctr"/>
             <a:r>
-              <a:rPr lang="en-US">
+              <a:rPr lang="en-US" dirty="0">
                 <a:solidFill>
                   <a:schemeClr val="tx1"/>
                 </a:solidFill>
                 <a:sym typeface="+mn-ea"/>
               </a:rPr>
-              <a:t>B[2]=B[2]**3</a:t>
-            </a:r>
-            <a:endParaRPr lang="en-US">
-              <a:solidFill>
-                <a:schemeClr val="tx1"/>
-              </a:solidFill>
-              <a:sym typeface="+mn-ea"/>
-            </a:endParaRPr>
-          </a:p>
-        </p:txBody>
-      </p:sp>
-      <p:sp>
-        <p:nvSpPr>
-          <p:cNvPr id="24" name="Flowchart: Data 23"/>
-          <p:cNvSpPr/>
-          <p:nvPr/>
-        </p:nvSpPr>
-        <p:spPr>
-          <a:xfrm>
-            <a:off x="288290" y="2768600"/>
-            <a:ext cx="3543935" cy="378460"/>
-          </a:xfrm>
-          <a:prstGeom prst="flowChartInputOutput">
-            <a:avLst/>
-          </a:prstGeom>
-          <a:solidFill>
-            <a:schemeClr val="bg1"/>
-          </a:solidFill>
-          <a:ln w="28575" cmpd="sng">
-            <a:solidFill>
-              <a:schemeClr val="tx1"/>
-            </a:solidFill>
-            <a:prstDash val="solid"/>
-          </a:ln>
-        </p:spPr>
-        <p:style>
-          <a:lnRef idx="2">
-            <a:schemeClr val="accent1">
-              <a:shade val="50000"/>
-            </a:schemeClr>
-          </a:lnRef>
-          <a:fillRef idx="1">
-            <a:schemeClr val="accent1"/>
-          </a:fillRef>
-          <a:effectRef idx="0">
-            <a:schemeClr val="accent1"/>
-          </a:effectRef>
-          <a:fontRef idx="minor">
-            <a:schemeClr val="lt1"/>
-          </a:fontRef>
-        </p:style>
-        <p:txBody>
-          <a:bodyPr rtlCol="0" anchor="ctr"/>
-          <a:p>
-            <a:pPr algn="ctr"/>
-            <a:r>
-              <a:rPr lang="en-US">
+              <a:t>D</a:t>
+            </a:r>
+            <a:r>
+              <a:rPr lang="en-US" dirty="0" smtClean="0">
                 <a:solidFill>
                   <a:schemeClr val="tx1"/>
                 </a:solidFill>
                 <a:sym typeface="+mn-ea"/>
               </a:rPr>
-              <a:t>B[1]=B[1]**3</a:t>
-            </a:r>
-            <a:endParaRPr lang="en-US">
-              <a:solidFill>
-                <a:schemeClr val="tx1"/>
-              </a:solidFill>
-              <a:sym typeface="+mn-ea"/>
-            </a:endParaRPr>
-          </a:p>
-        </p:txBody>
-      </p:sp>
-      <p:cxnSp>
-        <p:nvCxnSpPr>
-          <p:cNvPr id="25" name="Straight Arrow Connector 24"/>
-          <p:cNvCxnSpPr/>
-          <p:nvPr/>
-        </p:nvCxnSpPr>
-        <p:spPr>
-          <a:xfrm flipH="1">
-            <a:off x="2056765" y="4425950"/>
-            <a:ext cx="7620" cy="263525"/>
-          </a:xfrm>
-          <a:prstGeom prst="straightConnector1">
-            <a:avLst/>
-          </a:prstGeom>
-          <a:ln>
-            <a:solidFill>
-              <a:schemeClr val="tx1"/>
-            </a:solidFill>
-            <a:tailEnd type="arrow"/>
-          </a:ln>
-        </p:spPr>
-        <p:style>
-          <a:lnRef idx="1">
-            <a:schemeClr val="accent1"/>
-          </a:lnRef>
-          <a:fillRef idx="0">
-            <a:schemeClr val="accent1"/>
-          </a:fillRef>
-          <a:effectRef idx="0">
-            <a:schemeClr val="accent1"/>
-          </a:effectRef>
-          <a:fontRef idx="minor">
-            <a:schemeClr val="tx1"/>
-          </a:fontRef>
-        </p:style>
-      </p:cxnSp>
-      <p:sp>
-        <p:nvSpPr>
-          <p:cNvPr id="26" name="Flowchart: Data 25"/>
-          <p:cNvSpPr/>
-          <p:nvPr/>
-        </p:nvSpPr>
-        <p:spPr>
-          <a:xfrm>
-            <a:off x="279400" y="4047490"/>
-            <a:ext cx="3543935" cy="378460"/>
-          </a:xfrm>
-          <a:prstGeom prst="flowChartInputOutput">
-            <a:avLst/>
-          </a:prstGeom>
-          <a:solidFill>
-            <a:schemeClr val="bg1"/>
-          </a:solidFill>
-          <a:ln w="28575" cmpd="sng">
-            <a:solidFill>
-              <a:schemeClr val="tx1"/>
-            </a:solidFill>
-            <a:prstDash val="solid"/>
-          </a:ln>
-        </p:spPr>
-        <p:style>
-          <a:lnRef idx="2">
-            <a:schemeClr val="accent1">
-              <a:shade val="50000"/>
-            </a:schemeClr>
-          </a:lnRef>
-          <a:fillRef idx="1">
-            <a:schemeClr val="accent1"/>
-          </a:fillRef>
-          <a:effectRef idx="0">
-            <a:schemeClr val="accent1"/>
-          </a:effectRef>
-          <a:fontRef idx="minor">
-            <a:schemeClr val="lt1"/>
-          </a:fontRef>
-        </p:style>
-        <p:txBody>
-          <a:bodyPr rtlCol="0" anchor="ctr"/>
-          <a:p>
-            <a:pPr algn="ctr"/>
-            <a:r>
-              <a:rPr lang="en-US">
+              <a:t>[2</a:t>
+            </a:r>
+            <a:r>
+              <a:rPr lang="en-US" dirty="0">
                 <a:solidFill>
                   <a:schemeClr val="tx1"/>
                 </a:solidFill>
                 <a:sym typeface="+mn-ea"/>
               </a:rPr>
-              <a:t>B[3]=B[3]**3</a:t>
-            </a:r>
-            <a:endParaRPr lang="en-US">
-              <a:solidFill>
-                <a:schemeClr val="tx1"/>
-              </a:solidFill>
-              <a:sym typeface="+mn-ea"/>
-            </a:endParaRPr>
+              <a:t>]=B[2]**3</a:t>
+            </a:r>
+          </a:p>
+        </p:txBody>
+      </p:sp>
+      <p:sp>
+        <p:nvSpPr>
+          <p:cNvPr id="24" name="Flowchart: Data 23"/>
+          <p:cNvSpPr/>
+          <p:nvPr/>
+        </p:nvSpPr>
+        <p:spPr>
+          <a:xfrm>
+            <a:off x="288290" y="2768600"/>
+            <a:ext cx="3543935" cy="378460"/>
+          </a:xfrm>
+          <a:prstGeom prst="flowChartInputOutput">
+            <a:avLst/>
+          </a:prstGeom>
+          <a:solidFill>
+            <a:schemeClr val="accent1">
+              <a:lumMod val="20000"/>
+              <a:lumOff val="80000"/>
+            </a:schemeClr>
+          </a:solidFill>
+          <a:ln w="28575" cmpd="sng">
+            <a:solidFill>
+              <a:schemeClr val="tx1"/>
+            </a:solidFill>
+            <a:prstDash val="solid"/>
+          </a:ln>
+        </p:spPr>
+        <p:style>
+          <a:lnRef idx="2">
+            <a:schemeClr val="accent1">
+              <a:shade val="50000"/>
+            </a:schemeClr>
+          </a:lnRef>
+          <a:fillRef idx="1">
+            <a:schemeClr val="accent1"/>
+          </a:fillRef>
+          <a:effectRef idx="0">
+            <a:schemeClr val="accent1"/>
+          </a:effectRef>
+          <a:fontRef idx="minor">
+            <a:schemeClr val="lt1"/>
+          </a:fontRef>
+        </p:style>
+        <p:txBody>
+          <a:bodyPr rtlCol="0" anchor="ctr"/>
+          <a:lstStyle/>
+          <a:p>
+            <a:pPr algn="ctr"/>
+            <a:r>
+              <a:rPr lang="en-US" dirty="0">
+                <a:solidFill>
+                  <a:schemeClr val="tx1"/>
+                </a:solidFill>
+                <a:sym typeface="+mn-ea"/>
+              </a:rPr>
+              <a:t>C</a:t>
+            </a:r>
+            <a:r>
+              <a:rPr lang="en-US" dirty="0" smtClean="0">
+                <a:solidFill>
+                  <a:schemeClr val="tx1"/>
+                </a:solidFill>
+                <a:sym typeface="+mn-ea"/>
+              </a:rPr>
+              <a:t>[1</a:t>
+            </a:r>
+            <a:r>
+              <a:rPr lang="en-US" dirty="0">
+                <a:solidFill>
+                  <a:schemeClr val="tx1"/>
+                </a:solidFill>
+                <a:sym typeface="+mn-ea"/>
+              </a:rPr>
+              <a:t>]=B[1]**3</a:t>
+            </a:r>
+          </a:p>
+        </p:txBody>
+      </p:sp>
+      <p:cxnSp>
+        <p:nvCxnSpPr>
+          <p:cNvPr id="25" name="Straight Arrow Connector 24"/>
+          <p:cNvCxnSpPr/>
+          <p:nvPr/>
+        </p:nvCxnSpPr>
+        <p:spPr>
+          <a:xfrm flipH="1">
+            <a:off x="2056765" y="4425950"/>
+            <a:ext cx="7620" cy="263525"/>
+          </a:xfrm>
+          <a:prstGeom prst="straightConnector1">
+            <a:avLst/>
+          </a:prstGeom>
+          <a:ln>
+            <a:solidFill>
+              <a:schemeClr val="tx1"/>
+            </a:solidFill>
+            <a:tailEnd type="arrow"/>
+          </a:ln>
+        </p:spPr>
+        <p:style>
+          <a:lnRef idx="1">
+            <a:schemeClr val="accent1"/>
+          </a:lnRef>
+          <a:fillRef idx="0">
+            <a:schemeClr val="accent1"/>
+          </a:fillRef>
+          <a:effectRef idx="0">
+            <a:schemeClr val="accent1"/>
+          </a:effectRef>
+          <a:fontRef idx="minor">
+            <a:schemeClr val="tx1"/>
+          </a:fontRef>
+        </p:style>
+      </p:cxnSp>
+      <p:sp>
+        <p:nvSpPr>
+          <p:cNvPr id="26" name="Flowchart: Data 25"/>
+          <p:cNvSpPr/>
+          <p:nvPr/>
+        </p:nvSpPr>
+        <p:spPr>
+          <a:xfrm>
+            <a:off x="279400" y="4047490"/>
+            <a:ext cx="3543935" cy="378460"/>
+          </a:xfrm>
+          <a:prstGeom prst="flowChartInputOutput">
+            <a:avLst/>
+          </a:prstGeom>
+          <a:solidFill>
+            <a:schemeClr val="accent1">
+              <a:lumMod val="20000"/>
+              <a:lumOff val="80000"/>
+            </a:schemeClr>
+          </a:solidFill>
+          <a:ln w="28575" cmpd="sng">
+            <a:solidFill>
+              <a:schemeClr val="tx1"/>
+            </a:solidFill>
+            <a:prstDash val="solid"/>
+          </a:ln>
+        </p:spPr>
+        <p:style>
+          <a:lnRef idx="2">
+            <a:schemeClr val="accent1">
+              <a:shade val="50000"/>
+            </a:schemeClr>
+          </a:lnRef>
+          <a:fillRef idx="1">
+            <a:schemeClr val="accent1"/>
+          </a:fillRef>
+          <a:effectRef idx="0">
+            <a:schemeClr val="accent1"/>
+          </a:effectRef>
+          <a:fontRef idx="minor">
+            <a:schemeClr val="lt1"/>
+          </a:fontRef>
+        </p:style>
+        <p:txBody>
+          <a:bodyPr rtlCol="0" anchor="ctr"/>
+          <a:lstStyle/>
+          <a:p>
+            <a:pPr algn="ctr"/>
+            <a:r>
+              <a:rPr lang="en-US" dirty="0">
+                <a:solidFill>
+                  <a:schemeClr val="tx1"/>
+                </a:solidFill>
+                <a:sym typeface="+mn-ea"/>
+              </a:rPr>
+              <a:t>E</a:t>
+            </a:r>
+            <a:r>
+              <a:rPr lang="en-US" dirty="0" smtClean="0">
+                <a:solidFill>
+                  <a:schemeClr val="tx1"/>
+                </a:solidFill>
+                <a:sym typeface="+mn-ea"/>
+              </a:rPr>
+              <a:t>[3</a:t>
+            </a:r>
+            <a:r>
+              <a:rPr lang="en-US" dirty="0">
+                <a:solidFill>
+                  <a:schemeClr val="tx1"/>
+                </a:solidFill>
+                <a:sym typeface="+mn-ea"/>
+              </a:rPr>
+              <a:t>]=B[3]**3</a:t>
+            </a:r>
           </a:p>
         </p:txBody>
       </p:sp>
@@ -12278,7 +12351,10 @@
             <a:avLst/>
           </a:prstGeom>
           <a:solidFill>
-            <a:schemeClr val="bg1"/>
+            <a:schemeClr val="accent1">
+              <a:lumMod val="20000"/>
+              <a:lumOff val="80000"/>
+            </a:schemeClr>
           </a:solidFill>
           <a:ln w="28575" cmpd="sng">
             <a:solidFill>
@@ -12305,23 +12381,36 @@
         </p:style>
         <p:txBody>
           <a:bodyPr rtlCol="0" anchor="ctr"/>
+          <a:lstStyle/>
           <a:p>
             <a:pPr algn="ctr"/>
             <a:r>
-              <a:rPr lang="en-US">
+              <a:rPr lang="en-US" dirty="0">
                 <a:solidFill>
                   <a:schemeClr val="tx1"/>
                 </a:solidFill>
                 <a:sym typeface="+mn-ea"/>
               </a:rPr>
-              <a:t>B[4]=B[4]**3</a:t>
-            </a:r>
-            <a:endParaRPr lang="en-US">
-              <a:solidFill>
-                <a:schemeClr val="tx1"/>
-              </a:solidFill>
-              <a:sym typeface="+mn-ea"/>
-            </a:endParaRPr>
+              <a:t>F</a:t>
+            </a:r>
+            <a:r>
+              <a:rPr lang="en-US" dirty="0" smtClean="0">
+                <a:solidFill>
+                  <a:schemeClr val="tx1"/>
+                </a:solidFill>
+                <a:sym typeface="+mn-ea"/>
+              </a:rPr>
+              <a:t>[4</a:t>
+            </a:r>
+            <a:r>
+              <a:rPr lang="en-US" dirty="0">
+                <a:solidFill>
+                  <a:schemeClr val="tx1"/>
+                </a:solidFill>
+                <a:sym typeface="+mn-ea"/>
+              </a:rPr>
+              <a:t>]=B[4]**3</a:t>
+            </a:r>
           </a:p>
         </p:txBody>
       </p:sp>
@@ -12339,6 +12428,12 @@
           <a:prstGeom prst="flowChartProcess">
             <a:avLst/>
           </a:prstGeom>
+          <a:solidFill>
+            <a:schemeClr val="accent6">
+              <a:lumMod val="20000"/>
+              <a:lumOff val="80000"/>
+            </a:schemeClr>
+          </a:solidFill>
           <a:ln w="28575" cmpd="sng">
             <a:solidFill>
               <a:schemeClr val="tx1"/>
@@ -12362,13 +12457,18 @@
         </p:style>
         <p:txBody>
           <a:bodyPr rtlCol="0" anchor="ctr"/>
+          <a:lstStyle/>
           <a:p>
             <a:pPr algn="ctr"/>
             <a:r>
-              <a:rPr lang="en-US"/>
-              <a:t>SUM(B)</a:t>
-            </a:r>
-            <a:endParaRPr lang="en-US"/>
+              <a:rPr lang="en-US" dirty="0"/>
+              <a:t>G</a:t>
+            </a:r>
+            <a:r>
+              <a:rPr lang="en-US" dirty="0" smtClean="0"/>
+              <a:t>=(W+C+D+E+F)</a:t>
+            </a:r>
+            <a:endParaRPr lang="en-US" dirty="0"/>
           </a:p>
         </p:txBody>
       </p:sp>
@@ -12380,14 +12480,14 @@
         </p:nvSpPr>
         <p:spPr>
           <a:xfrm>
-            <a:off x="459105" y="6174105"/>
+            <a:off x="4913117" y="6136199"/>
             <a:ext cx="3263900" cy="360680"/>
           </a:xfrm>
           <a:prstGeom prst="flowChartAlternateProcess">
             <a:avLst/>
           </a:prstGeom>
           <a:solidFill>
-            <a:schemeClr val="bg1"/>
+            <a:schemeClr val="bg2"/>
           </a:solidFill>
           <a:ln w="28575" cmpd="sng">
             <a:solidFill>
@@ -12414,6 +12514,7 @@
         </p:style>
         <p:txBody>
           <a:bodyPr rtlCol="0" anchor="ctr"/>
+          <a:lstStyle/>
           <a:p>
             <a:pPr algn="ctr"/>
             <a:r>
@@ -12424,11 +12525,6 @@
               </a:rPr>
               <a:t>END</a:t>
             </a:r>
-            <a:endParaRPr lang="en-US">
-              <a:solidFill>
-                <a:schemeClr val="tx1"/>
-              </a:solidFill>
-            </a:endParaRPr>
           </a:p>
         </p:txBody>
       </p:sp>
@@ -12436,14 +12532,15 @@
         <p:nvCxnSpPr>
           <p:cNvPr id="67" name="Straight Arrow Connector 66"/>
           <p:cNvCxnSpPr>
-            <a:endCxn id="54" idx="0"/>
+            <a:stCxn id="33" idx="3"/>
+            <a:endCxn id="54" idx="1"/>
           </p:cNvCxnSpPr>
           <p:nvPr/>
         </p:nvCxnSpPr>
         <p:spPr>
           <a:xfrm>
-            <a:off x="2072005" y="5753735"/>
-            <a:ext cx="19050" cy="420370"/>
+            <a:off x="3708082" y="6307773"/>
+            <a:ext cx="1205035" cy="8766"/>
           </a:xfrm>
           <a:prstGeom prst="straightConnector1">
             <a:avLst/>
@@ -12490,6 +12587,7 @@
           <a:bodyPr wrap="square" rtlCol="0">
             <a:spAutoFit/>
           </a:bodyPr>
+          <a:lstStyle/>
           <a:p>
             <a:r>
               <a:rPr lang="en-US" sz="2800" b="1" u="sng">
@@ -12507,27 +12605,114 @@
               </a:rPr>
               <a:t>EXERCISE 5</a:t>
             </a:r>
-            <a:endParaRPr lang="en-US" sz="2800" b="1" u="sng">
-              <a:ln/>
-              <a:solidFill>
-                <a:schemeClr val="tx1"/>
-              </a:solidFill>
-              <a:effectLst>
-                <a:outerShdw blurRad="38100" dist="19050" dir="2700000" algn="tl" rotWithShape="0">
-                  <a:schemeClr val="dk1">
-                    <a:alpha val="40000"/>
-                  </a:schemeClr>
-                </a:outerShdw>
-              </a:effectLst>
-            </a:endParaRPr>
-          </a:p>
-        </p:txBody>
-      </p:sp>
+          </a:p>
+        </p:txBody>
+      </p:sp>
+      <p:sp>
+        <p:nvSpPr>
+          <p:cNvPr id="33" name="Flowchart: Process 32"/>
+          <p:cNvSpPr/>
+          <p:nvPr/>
+        </p:nvSpPr>
+        <p:spPr>
+          <a:xfrm>
+            <a:off x="444182" y="6111240"/>
+            <a:ext cx="3263900" cy="393065"/>
+          </a:xfrm>
+          <a:prstGeom prst="flowChartProcess">
+            <a:avLst/>
+          </a:prstGeom>
+          <a:solidFill>
+            <a:schemeClr val="accent6">
+              <a:lumMod val="20000"/>
+              <a:lumOff val="80000"/>
+            </a:schemeClr>
+          </a:solidFill>
+          <a:ln w="28575" cmpd="sng">
+            <a:solidFill>
+              <a:schemeClr val="tx1"/>
+            </a:solidFill>
+            <a:prstDash val="solid"/>
+          </a:ln>
+        </p:spPr>
+        <p:style>
+          <a:lnRef idx="2">
+            <a:schemeClr val="accent6"/>
+          </a:lnRef>
+          <a:fillRef idx="1">
+            <a:schemeClr val="lt1"/>
+          </a:fillRef>
+          <a:effectRef idx="0">
+            <a:schemeClr val="accent6"/>
+          </a:effectRef>
+          <a:fontRef idx="minor">
+            <a:schemeClr val="dk1"/>
+          </a:fontRef>
+        </p:style>
+        <p:txBody>
+          <a:bodyPr rtlCol="0" anchor="ctr"/>
+          <a:lstStyle/>
+          <a:p>
+            <a:pPr algn="ctr"/>
+            <a:r>
+              <a:rPr lang="en-US" dirty="0" smtClean="0"/>
+              <a:t>PRINT(G)</a:t>
+            </a:r>
+            <a:endParaRPr lang="en-US" dirty="0"/>
+          </a:p>
+        </p:txBody>
+      </p:sp>
+      <p:cxnSp>
+        <p:nvCxnSpPr>
+          <p:cNvPr id="34" name="Straight Arrow Connector 33"/>
+          <p:cNvCxnSpPr>
+            <a:stCxn id="31" idx="2"/>
+            <a:endCxn id="33" idx="0"/>
+          </p:cNvCxnSpPr>
+          <p:nvPr/>
+        </p:nvCxnSpPr>
+        <p:spPr>
+          <a:xfrm>
+            <a:off x="2074545" y="5724525"/>
+            <a:ext cx="1587" cy="386715"/>
+          </a:xfrm>
+          <a:prstGeom prst="straightConnector1">
+            <a:avLst/>
+          </a:prstGeom>
+          <a:ln>
+            <a:solidFill>
+              <a:schemeClr val="tx1"/>
+            </a:solidFill>
+            <a:tailEnd type="arrow"/>
+          </a:ln>
+        </p:spPr>
+        <p:style>
+          <a:lnRef idx="1">
+            <a:schemeClr val="accent1"/>
+          </a:lnRef>
+          <a:fillRef idx="0">
+            <a:schemeClr val="accent1"/>
+          </a:fillRef>
+          <a:effectRef idx="0">
+            <a:schemeClr val="accent1"/>
+          </a:effectRef>
+          <a:fontRef idx="minor">
+            <a:schemeClr val="tx1"/>
+          </a:fontRef>
+        </p:style>
+      </p:cxnSp>
     </p:spTree>
   </p:cSld>
   <p:clrMapOvr>
     <a:masterClrMapping/>
   </p:clrMapOvr>
+  <p:timing>
+    <p:tnLst>
+      <p:par>
+        <p:cTn id="1" dur="indefinite" restart="never" nodeType="tmRoot"/>
+      </p:par>
+    </p:tnLst>
+  </p:timing>
 </p:sld>
 </file>
 
@@ -12782,6 +12967,8 @@
       </a:bgFillStyleLst>
     </a:fmtScheme>
   </a:themeElements>
+  <a:objectDefaults/>
+  <a:extraClrSchemeLst/>
   <a:extLst>
     <a:ext uri="{05A4C25C-085E-4340-85A3-A5531E510DB2}">
       <thm15:themeFamily xmlns:thm15="http://schemas.microsoft.com/office/thememl/2012/main" name="Office Theme" id="{62F939B6-93AF-4DB8-9C6B-D6C7DFDC589F}" vid="{4A3C46E8-61CC-4603-A589-7422A47A8E4A}"/>
